--- a/report/BTP_Poster.pptx
+++ b/report/BTP_Poster.pptx
@@ -110,6 +110,14 @@
     </p:ext>
   </p:extLst>
 </p:presentation>
+</file>
+
+<file path=ppt/revisionInfo.xml><?xml version="1.0" encoding="utf-8"?>
+<p1510:revInfo xmlns:a="http://schemas.openxmlformats.org/drawingml/2006/main" xmlns:r="http://schemas.openxmlformats.org/officeDocument/2006/relationships" xmlns:p1510="http://schemas.microsoft.com/office/powerpoint/2015/10/main">
+  <p1510:revLst>
+    <p1510:client id="{F91239B3-7901-6CEB-1A5D-8E988E8B879C}" v="65" dt="2019-04-24T19:14:11.355"/>
+  </p1510:revLst>
+</p1510:revInfo>
 </file>
 
 <file path=ppt/slideLayouts/slideLayout1.xml><?xml version="1.0" encoding="utf-8"?>
@@ -2327,16 +2335,7 @@
                 </a:solidFill>
                 <a:latin typeface="Garamond" panose="02020404030301010803" pitchFamily="18" charset="0"/>
               </a:rPr>
-              <a:t>Design &amp; Implementation of </a:t>
-            </a:r>
-            <a:r>
-              <a:rPr lang="en-IN" sz="8800" b="1" strike="noStrike" spc="-1" dirty="0" smtClean="0">
-                <a:solidFill>
-                  <a:srgbClr val="C00000"/>
-                </a:solidFill>
-                <a:latin typeface="Garamond" panose="02020404030301010803" pitchFamily="18" charset="0"/>
-              </a:rPr>
-              <a:t>Quantum Computing </a:t>
+              <a:t>Design &amp; Implementation of Quantum Computing </a:t>
             </a:r>
             <a:endParaRPr lang="en-IN" sz="8800" b="0" strike="noStrike" spc="-1" dirty="0">
               <a:latin typeface="Garamond" panose="02020404030301010803" pitchFamily="18" charset="0"/>
@@ -2349,7 +2348,7 @@
               </a:lnSpc>
             </a:pPr>
             <a:r>
-              <a:rPr lang="en-IN" sz="8800" b="1" strike="noStrike" spc="-1" dirty="0" smtClean="0">
+              <a:rPr lang="en-IN" sz="8800" b="1" strike="noStrike" spc="-1" dirty="0">
                 <a:solidFill>
                   <a:srgbClr val="C00000"/>
                 </a:solidFill>
@@ -2485,17 +2484,7 @@
                 <a:latin typeface="Book Antiqua"/>
                 <a:ea typeface="MS Mincho"/>
               </a:rPr>
-              <a:t>Department of Electronics and Electrical Engineering, Indian Institute of Technology </a:t>
-            </a:r>
-            <a:r>
-              <a:rPr lang="en-IN" sz="4000" b="1" strike="noStrike" spc="-1" dirty="0" smtClean="0">
-                <a:solidFill>
-                  <a:srgbClr val="000000"/>
-                </a:solidFill>
-                <a:latin typeface="Book Antiqua"/>
-                <a:ea typeface="MS Mincho"/>
-              </a:rPr>
-              <a:t>Guwahati</a:t>
+              <a:t>Department of Electronics and Electrical Engineering, Indian Institute of Technology Guwahati</a:t>
             </a:r>
             <a:endParaRPr lang="en-IN" sz="4000" b="0" strike="noStrike" spc="-1" dirty="0">
               <a:latin typeface="Arial"/>
@@ -2511,8 +2500,8 @@
         </p:nvSpPr>
         <p:spPr>
           <a:xfrm>
-            <a:off x="1297440" y="7603740"/>
-            <a:ext cx="28006560" cy="2549700"/>
+            <a:off x="1342298" y="7603740"/>
+            <a:ext cx="28208427" cy="2818936"/>
           </a:xfrm>
           <a:prstGeom prst="rect">
             <a:avLst/>
@@ -2535,20 +2524,15 @@
           <a:fontRef idx="minor"/>
         </p:style>
         <p:txBody>
-          <a:bodyPr lIns="90000" tIns="45000" rIns="90000" bIns="45000"/>
-          <a:lstStyle/>
-          <a:p>
-            <a:pPr algn="just">
-              <a:lnSpc>
-                <a:spcPct val="100000"/>
-              </a:lnSpc>
-            </a:pPr>
+          <a:bodyPr lIns="90000" tIns="45000" rIns="90000" bIns="45000" anchor="t"/>
+          <a:lstStyle/>
+          <a:p>
             <a:r>
               <a:rPr lang="en-IN" sz="4800" b="1" strike="noStrike" spc="-1" dirty="0">
                 <a:solidFill>
                   <a:srgbClr val="C00000"/>
                 </a:solidFill>
-                <a:latin typeface="Garamond" panose="02020404030301010803" pitchFamily="18" charset="0"/>
+                <a:latin typeface="Garamond"/>
               </a:rPr>
               <a:t>Abstract:</a:t>
             </a:r>
@@ -2557,120 +2541,93 @@
                 <a:solidFill>
                   <a:srgbClr val="000000"/>
                 </a:solidFill>
-                <a:latin typeface="Garamond" panose="02020404030301010803" pitchFamily="18" charset="0"/>
+                <a:latin typeface="Garamond"/>
               </a:rPr>
               <a:t> </a:t>
             </a:r>
             <a:r>
-              <a:rPr lang="en-IN" sz="4400" b="0" strike="noStrike" spc="-1" dirty="0">
-                <a:solidFill>
-                  <a:srgbClr val="000000"/>
-                </a:solidFill>
-                <a:latin typeface="Century Schoolbook" panose="02040604050505020304" pitchFamily="18" charset="0"/>
-              </a:rPr>
-              <a:t>This project aims at designing a chaos-based cryptographic system that is immune against attacks by both quantum and classical computers</a:t>
-            </a:r>
-            <a:r>
-              <a:rPr lang="en-IN" sz="4400" b="0" strike="noStrike" spc="-1" dirty="0" smtClean="0">
-                <a:solidFill>
-                  <a:srgbClr val="000000"/>
-                </a:solidFill>
-                <a:latin typeface="Century Schoolbook" panose="02040604050505020304" pitchFamily="18" charset="0"/>
-              </a:rPr>
-              <a:t>. The </a:t>
-            </a:r>
-            <a:r>
-              <a:rPr lang="en-IN" sz="4400" b="0" strike="noStrike" spc="-1" dirty="0">
-                <a:solidFill>
-                  <a:srgbClr val="000000"/>
-                </a:solidFill>
-                <a:latin typeface="Century Schoolbook" panose="02040604050505020304" pitchFamily="18" charset="0"/>
-              </a:rPr>
-              <a:t>encryption-decryption scheme proposed here is based on chaotic map </a:t>
-            </a:r>
-            <a:r>
-              <a:rPr lang="en-IN" sz="4400" b="0" strike="noStrike" spc="-1" dirty="0" smtClean="0">
-                <a:solidFill>
-                  <a:srgbClr val="000000"/>
-                </a:solidFill>
-                <a:latin typeface="Century Schoolbook" panose="02040604050505020304" pitchFamily="18" charset="0"/>
-              </a:rPr>
-              <a:t>generated </a:t>
-            </a:r>
-            <a:r>
-              <a:rPr lang="en-IN" sz="4400" b="0" strike="noStrike" spc="-1" dirty="0">
-                <a:solidFill>
-                  <a:srgbClr val="000000"/>
-                </a:solidFill>
-                <a:latin typeface="Century Schoolbook" panose="02040604050505020304" pitchFamily="18" charset="0"/>
-              </a:rPr>
-              <a:t>from </a:t>
-            </a:r>
-            <a:r>
-              <a:rPr lang="en-IN" sz="4400" spc="-1" dirty="0">
-                <a:solidFill>
-                  <a:srgbClr val="000000"/>
-                </a:solidFill>
-                <a:latin typeface="Century Schoolbook" panose="02040604050505020304" pitchFamily="18" charset="0"/>
-              </a:rPr>
-              <a:t>model </a:t>
-            </a:r>
-            <a:r>
-              <a:rPr lang="en-IN" sz="4400" spc="-1" dirty="0" smtClean="0">
-                <a:solidFill>
-                  <a:srgbClr val="000000"/>
-                </a:solidFill>
-                <a:latin typeface="Century Schoolbook" panose="02040604050505020304" pitchFamily="18" charset="0"/>
-              </a:rPr>
-              <a:t> of a </a:t>
-            </a:r>
-            <a:r>
-              <a:rPr lang="en-IN" sz="4400" b="0" strike="noStrike" spc="-1" dirty="0">
-                <a:solidFill>
-                  <a:srgbClr val="000000"/>
-                </a:solidFill>
-                <a:latin typeface="Century Schoolbook" panose="02040604050505020304" pitchFamily="18" charset="0"/>
-              </a:rPr>
-              <a:t>non-linear </a:t>
-            </a:r>
-            <a:r>
-              <a:rPr lang="en-IN" sz="4400" b="0" strike="noStrike" spc="-1" dirty="0" smtClean="0">
-                <a:solidFill>
-                  <a:srgbClr val="000000"/>
-                </a:solidFill>
-                <a:latin typeface="Century Schoolbook" panose="02040604050505020304" pitchFamily="18" charset="0"/>
-              </a:rPr>
-              <a:t>dynamic system. </a:t>
-            </a:r>
-            <a:r>
-              <a:rPr lang="en-IN" sz="4400" b="0" strike="noStrike" spc="-1" dirty="0">
-                <a:solidFill>
-                  <a:srgbClr val="000000"/>
-                </a:solidFill>
-                <a:latin typeface="Century Schoolbook" panose="02040604050505020304" pitchFamily="18" charset="0"/>
-              </a:rPr>
-              <a:t>Further, we present </a:t>
-            </a:r>
-            <a:r>
-              <a:rPr lang="en-IN" sz="4400" b="0" strike="noStrike" spc="-1" dirty="0" smtClean="0">
-                <a:solidFill>
-                  <a:srgbClr val="000000"/>
-                </a:solidFill>
-                <a:latin typeface="Century Schoolbook" panose="02040604050505020304" pitchFamily="18" charset="0"/>
-              </a:rPr>
-              <a:t>the FPGA </a:t>
-            </a:r>
-            <a:r>
-              <a:rPr lang="en-IN" sz="4400" b="0" strike="noStrike" spc="-1" dirty="0">
-                <a:solidFill>
-                  <a:srgbClr val="000000"/>
-                </a:solidFill>
-                <a:latin typeface="Century Schoolbook" panose="02040604050505020304" pitchFamily="18" charset="0"/>
-              </a:rPr>
-              <a:t>implementation of the proposed method.</a:t>
-            </a:r>
-            <a:endParaRPr lang="en-IN" sz="4400" b="0" strike="noStrike" spc="-1" dirty="0">
-              <a:latin typeface="Century Schoolbook" panose="02040604050505020304" pitchFamily="18" charset="0"/>
+              <a:rPr lang="en-IN" sz="4400" b="0" i="1" strike="noStrike" spc="-1" dirty="0">
+                <a:solidFill>
+                  <a:srgbClr val="000000"/>
+                </a:solidFill>
+                <a:latin typeface="Dante"/>
+              </a:rPr>
+              <a:t>This project aims at designing a chaos-based cryptographic system that is immune against attacks by both quantum and classical computers. The encryption-decryption scheme proposed here is based on </a:t>
+            </a:r>
+            <a:r>
+              <a:rPr lang="en-IN" sz="4400" i="1" spc="-1" dirty="0">
+                <a:solidFill>
+                  <a:srgbClr val="000000"/>
+                </a:solidFill>
+                <a:latin typeface="Dante"/>
+              </a:rPr>
+              <a:t>chaotic</a:t>
+            </a:r>
+            <a:r>
+              <a:rPr lang="en-IN" sz="4400" b="0" i="1" strike="noStrike" spc="-1" dirty="0">
+                <a:solidFill>
+                  <a:srgbClr val="000000"/>
+                </a:solidFill>
+                <a:latin typeface="Dante"/>
+              </a:rPr>
+              <a:t> map </a:t>
+            </a:r>
+            <a:r>
+              <a:rPr lang="en-IN" sz="4400" i="1" spc="-1" dirty="0">
+                <a:solidFill>
+                  <a:srgbClr val="000000"/>
+                </a:solidFill>
+                <a:latin typeface="Dante"/>
+              </a:rPr>
+              <a:t>generated</a:t>
+            </a:r>
+            <a:r>
+              <a:rPr lang="en-IN" sz="4400" b="0" i="1" strike="noStrike" spc="-1" dirty="0">
+                <a:solidFill>
+                  <a:srgbClr val="000000"/>
+                </a:solidFill>
+                <a:latin typeface="Dante"/>
+              </a:rPr>
+              <a:t> from </a:t>
+            </a:r>
+            <a:r>
+              <a:rPr lang="en-IN" sz="4400" i="1" spc="-1" dirty="0">
+                <a:solidFill>
+                  <a:srgbClr val="000000"/>
+                </a:solidFill>
+                <a:latin typeface="Dante"/>
+              </a:rPr>
+              <a:t>model of </a:t>
+            </a:r>
+            <a:r>
+              <a:rPr lang="en-IN" sz="4400" i="1" spc="-1">
+                <a:solidFill>
+                  <a:srgbClr val="000000"/>
+                </a:solidFill>
+                <a:latin typeface="Dante"/>
+              </a:rPr>
+              <a:t>nonlinear</a:t>
+            </a:r>
+            <a:r>
+              <a:rPr lang="en-IN" sz="4400" b="0" i="1" strike="noStrike" spc="-1">
+                <a:solidFill>
+                  <a:srgbClr val="000000"/>
+                </a:solidFill>
+                <a:latin typeface="Dante"/>
+              </a:rPr>
+              <a:t> dynamic system. Further,</a:t>
+            </a:r>
+            <a:r>
+              <a:rPr lang="en-IN" sz="4400" i="1" spc="-1">
+                <a:solidFill>
+                  <a:srgbClr val="000000"/>
+                </a:solidFill>
+                <a:latin typeface="Dante"/>
+              </a:rPr>
+              <a:t> we present the hardware implementation of the proposed method on Artix FPGA platform.</a:t>
+            </a:r>
+            <a:endParaRPr lang="en-IN" sz="4400" b="0" i="1" strike="noStrike" spc="-1">
+              <a:latin typeface="Dante"/>
             </a:endParaRPr>
           </a:p>
         </p:txBody>
@@ -2738,8 +2695,8 @@
         </p:nvSpPr>
         <p:spPr>
           <a:xfrm>
-            <a:off x="1297440" y="22626000"/>
-            <a:ext cx="13019400" cy="711720"/>
+            <a:off x="1118063" y="18902632"/>
+            <a:ext cx="13019400" cy="891210"/>
           </a:xfrm>
           <a:prstGeom prst="rect">
             <a:avLst/>
@@ -2765,19 +2722,23 @@
           <a:bodyPr lIns="90000" tIns="45000" rIns="90000" bIns="45000" anchor="ctr"/>
           <a:lstStyle/>
           <a:p>
-            <a:pPr>
-              <a:lnSpc>
-                <a:spcPct val="100000"/>
-              </a:lnSpc>
-            </a:pPr>
-            <a:r>
-              <a:rPr lang="en-IN" sz="4400" b="1" strike="noStrike" spc="-1" dirty="0">
+            <a:r>
+              <a:rPr lang="en-IN" sz="4400" b="1" strike="noStrike" spc="-1">
                 <a:solidFill>
                   <a:srgbClr val="000099"/>
                 </a:solidFill>
-                <a:latin typeface="Garamond" panose="02020404030301010803" pitchFamily="18" charset="0"/>
-              </a:rPr>
-              <a:t>2. DESIGN</a:t>
+                <a:latin typeface="Garamond"/>
+              </a:rPr>
+              <a:t>2. </a:t>
+            </a:r>
+            <a:r>
+              <a:rPr lang="en-IN" sz="4400" b="1" spc="-1">
+                <a:solidFill>
+                  <a:srgbClr val="000099"/>
+                </a:solidFill>
+                <a:latin typeface="Garamond"/>
+              </a:rPr>
+              <a:t>PROPOSED APPROACH</a:t>
             </a:r>
             <a:endParaRPr lang="en-IN" sz="4400" b="0" strike="noStrike" spc="-1" dirty="0">
               <a:latin typeface="Garamond" panose="02020404030301010803" pitchFamily="18" charset="0"/>
@@ -2793,7 +2754,7 @@
         </p:nvSpPr>
         <p:spPr>
           <a:xfrm>
-            <a:off x="15336000" y="35119178"/>
+            <a:off x="15179040" y="35410763"/>
             <a:ext cx="13037040" cy="785520"/>
           </a:xfrm>
           <a:prstGeom prst="rect">
@@ -2820,31 +2781,26 @@
           <a:bodyPr lIns="90000" tIns="45000" rIns="90000" bIns="45000" anchor="ctr"/>
           <a:lstStyle/>
           <a:p>
-            <a:pPr>
-              <a:lnSpc>
-                <a:spcPct val="100000"/>
-              </a:lnSpc>
-            </a:pPr>
-            <a:r>
-              <a:rPr lang="en-IN" sz="4400" b="1" strike="noStrike" spc="-1" dirty="0">
+            <a:r>
+              <a:rPr lang="en-IN" sz="4400" b="1" strike="noStrike" spc="-1">
                 <a:solidFill>
                   <a:srgbClr val="000099"/>
                 </a:solidFill>
-                <a:latin typeface="Garamond" panose="02020404030301010803" pitchFamily="18" charset="0"/>
+                <a:latin typeface="Garamond"/>
               </a:rPr>
               <a:t>5. </a:t>
             </a:r>
             <a:r>
-              <a:rPr lang="en-IN" sz="4400" b="1" strike="noStrike" spc="-1" dirty="0" smtClean="0">
+              <a:rPr lang="en-IN" sz="4400" b="1" spc="-1">
                 <a:solidFill>
                   <a:srgbClr val="000099"/>
                 </a:solidFill>
-                <a:latin typeface="Garamond" panose="02020404030301010803" pitchFamily="18" charset="0"/>
-              </a:rPr>
-              <a:t>CONCLUSION &amp; FUTURE WORK</a:t>
-            </a:r>
-            <a:endParaRPr lang="en-IN" sz="4400" b="0" strike="noStrike" spc="-1" dirty="0">
-              <a:latin typeface="Garamond" panose="02020404030301010803" pitchFamily="18" charset="0"/>
+                <a:latin typeface="Garamond"/>
+              </a:rPr>
+              <a:t>RESULTS &amp; CONCLUSION</a:t>
+            </a:r>
+            <a:endParaRPr lang="en-IN" sz="4400" b="0" strike="noStrike" spc="-1">
+              <a:latin typeface="Garamond"/>
             </a:endParaRPr>
           </a:p>
         </p:txBody>
@@ -2857,7 +2813,7 @@
         </p:nvSpPr>
         <p:spPr>
           <a:xfrm>
-            <a:off x="1315440" y="33302700"/>
+            <a:off x="1113634" y="27919593"/>
             <a:ext cx="13020840" cy="713880"/>
           </a:xfrm>
           <a:prstGeom prst="rect">
@@ -2890,22 +2846,22 @@
               </a:lnSpc>
             </a:pPr>
             <a:r>
-              <a:rPr lang="en-IN" sz="4400" b="1" strike="noStrike" spc="-1" dirty="0">
+              <a:rPr lang="en-IN" sz="4400" b="1" strike="noStrike" spc="-1">
                 <a:solidFill>
                   <a:srgbClr val="000099"/>
                 </a:solidFill>
-                <a:latin typeface="Garamond" panose="02020404030301010803" pitchFamily="18" charset="0"/>
+                <a:latin typeface="Garamond"/>
               </a:rPr>
               <a:t>3. </a:t>
             </a:r>
             <a:r>
-              <a:rPr lang="en-IN" sz="4400" b="1" spc="-1" dirty="0" smtClean="0">
+              <a:rPr lang="en-IN" sz="4400" b="1" spc="-1">
                 <a:solidFill>
                   <a:srgbClr val="000099"/>
                 </a:solidFill>
-                <a:latin typeface="Garamond" panose="02020404030301010803" pitchFamily="18" charset="0"/>
-              </a:rPr>
-              <a:t>PROPOSED APPROACH</a:t>
+                <a:latin typeface="Garamond"/>
+              </a:rPr>
+              <a:t>DESIGN</a:t>
             </a:r>
             <a:endParaRPr lang="en-IN" sz="4400" b="0" strike="noStrike" spc="-1" dirty="0">
               <a:latin typeface="Garamond" panose="02020404030301010803" pitchFamily="18" charset="0"/>
@@ -2945,7 +2901,7 @@
         <p:spPr>
           <a:xfrm>
             <a:off x="1243440" y="11433874"/>
-            <a:ext cx="13499640" cy="9434520"/>
+            <a:ext cx="13634217" cy="7482559"/>
           </a:xfrm>
           <a:prstGeom prst="rect">
             <a:avLst/>
@@ -2968,10 +2924,931 @@
           <a:fontRef idx="minor"/>
         </p:style>
         <p:txBody>
-          <a:bodyPr lIns="90000" tIns="45000" rIns="90000" bIns="45000"/>
-          <a:lstStyle/>
-          <a:p>
-            <a:pPr marL="723960" indent="-723600" algn="just">
+          <a:bodyPr lIns="90000" tIns="45000" rIns="90000" bIns="45000" anchor="t"/>
+          <a:lstStyle/>
+          <a:p>
+            <a:pPr marL="723900" indent="-723265">
+              <a:spcBef>
+                <a:spcPts val="799"/>
+              </a:spcBef>
+              <a:spcAft>
+                <a:spcPts val="799"/>
+              </a:spcAft>
+              <a:buClr>
+                <a:srgbClr val="000099"/>
+              </a:buClr>
+              <a:buSzPct val="80000"/>
+              <a:buFont typeface="Arial" charset="2"/>
+              <a:buChar char="•"/>
+            </a:pPr>
+            <a:r>
+              <a:rPr lang="en-IN" sz="3600" b="0" strike="noStrike" spc="-1">
+                <a:solidFill>
+                  <a:srgbClr val="000000"/>
+                </a:solidFill>
+                <a:latin typeface="Century Schoolbook"/>
+              </a:rPr>
+              <a:t>Most of the present-day encryption algorithms are largely designed around </a:t>
+            </a:r>
+            <a:r>
+              <a:rPr lang="en-IN" sz="3600" spc="-1">
+                <a:solidFill>
+                  <a:srgbClr val="000000"/>
+                </a:solidFill>
+                <a:latin typeface="Century Schoolbook"/>
+              </a:rPr>
+              <a:t>'trap-door</a:t>
+            </a:r>
+            <a:r>
+              <a:rPr lang="en-IN" sz="3600" b="0" strike="noStrike" spc="-1">
+                <a:solidFill>
+                  <a:srgbClr val="000000"/>
+                </a:solidFill>
+                <a:latin typeface="Century Schoolbook"/>
+              </a:rPr>
+              <a:t> functions' which are problems with sufficient computational hardness</a:t>
+            </a:r>
+            <a:r>
+              <a:rPr lang="en-IN" sz="3600" spc="-1">
+                <a:solidFill>
+                  <a:srgbClr val="000000"/>
+                </a:solidFill>
+                <a:latin typeface="Century Schoolbook"/>
+              </a:rPr>
+              <a:t> like integer factorization, discrete logarithm problem etc.</a:t>
+            </a:r>
+            <a:endParaRPr lang="en-IN" sz="3600" spc="-1">
+              <a:latin typeface="Century Schoolbook"/>
+            </a:endParaRPr>
+          </a:p>
+          <a:p>
+            <a:pPr marL="723900" indent="-723265">
+              <a:spcBef>
+                <a:spcPts val="799"/>
+              </a:spcBef>
+              <a:spcAft>
+                <a:spcPts val="799"/>
+              </a:spcAft>
+              <a:buClr>
+                <a:srgbClr val="000099"/>
+              </a:buClr>
+              <a:buSzPct val="80000"/>
+              <a:buFont typeface="Arial" charset="2"/>
+              <a:buChar char="•"/>
+            </a:pPr>
+            <a:r>
+              <a:rPr lang="en-IN" sz="3600" b="0" strike="noStrike" spc="-1">
+                <a:solidFill>
+                  <a:srgbClr val="000000"/>
+                </a:solidFill>
+                <a:latin typeface="Century Schoolbook"/>
+              </a:rPr>
+              <a:t>These problems can be </a:t>
+            </a:r>
+            <a:r>
+              <a:rPr lang="en-IN" sz="3600" spc="-1">
+                <a:solidFill>
+                  <a:srgbClr val="000000"/>
+                </a:solidFill>
+                <a:latin typeface="Century Schoolbook"/>
+              </a:rPr>
+              <a:t>efficiently</a:t>
+            </a:r>
+            <a:r>
+              <a:rPr lang="en-IN" sz="3600" b="0" strike="noStrike" spc="-1">
+                <a:solidFill>
+                  <a:srgbClr val="000000"/>
+                </a:solidFill>
+                <a:latin typeface="Century Schoolbook"/>
+              </a:rPr>
+              <a:t> solved using </a:t>
+            </a:r>
+            <a:r>
+              <a:rPr lang="en-IN" sz="3600" spc="-1">
+                <a:solidFill>
+                  <a:srgbClr val="000000"/>
+                </a:solidFill>
+                <a:latin typeface="Century Schoolbook"/>
+              </a:rPr>
+              <a:t>a quantum</a:t>
+            </a:r>
+            <a:r>
+              <a:rPr lang="en-IN" sz="3600" b="0" strike="noStrike" spc="-1">
+                <a:solidFill>
+                  <a:srgbClr val="000000"/>
+                </a:solidFill>
+                <a:latin typeface="Century Schoolbook"/>
+              </a:rPr>
+              <a:t> </a:t>
+            </a:r>
+            <a:r>
+              <a:rPr lang="en-IN" sz="3600" spc="-1">
+                <a:solidFill>
+                  <a:srgbClr val="000000"/>
+                </a:solidFill>
+                <a:latin typeface="Century Schoolbook"/>
+              </a:rPr>
+              <a:t>computer</a:t>
+            </a:r>
+            <a:r>
+              <a:rPr lang="en-IN" sz="3600" b="0" strike="noStrike" spc="-1">
+                <a:solidFill>
+                  <a:srgbClr val="000000"/>
+                </a:solidFill>
+                <a:latin typeface="Century Schoolbook"/>
+              </a:rPr>
+              <a:t> running </a:t>
+            </a:r>
+            <a:r>
+              <a:rPr lang="en-IN" sz="3600" spc="-1">
+                <a:solidFill>
+                  <a:srgbClr val="000000"/>
+                </a:solidFill>
+                <a:latin typeface="Century Schoolbook"/>
+              </a:rPr>
+              <a:t>Shor's</a:t>
+            </a:r>
+            <a:r>
+              <a:rPr lang="en-IN" sz="3600" b="0" strike="noStrike" spc="-1">
+                <a:solidFill>
+                  <a:srgbClr val="000000"/>
+                </a:solidFill>
+                <a:latin typeface="Century Schoolbook"/>
+              </a:rPr>
+              <a:t> algorithm within reasonable </a:t>
+            </a:r>
+            <a:r>
+              <a:rPr lang="en-IN" sz="3600" b="0" strike="noStrike" spc="-1" dirty="0">
+                <a:solidFill>
+                  <a:srgbClr val="000000"/>
+                </a:solidFill>
+                <a:latin typeface="Century Schoolbook"/>
+              </a:rPr>
+              <a:t>time.</a:t>
+            </a:r>
+            <a:endParaRPr lang="en-IN" sz="3600" b="0" strike="noStrike" spc="-1">
+              <a:latin typeface="Century Schoolbook"/>
+            </a:endParaRPr>
+          </a:p>
+          <a:p>
+            <a:pPr marL="723900" indent="-723265">
+              <a:spcBef>
+                <a:spcPts val="799"/>
+              </a:spcBef>
+              <a:spcAft>
+                <a:spcPts val="799"/>
+              </a:spcAft>
+              <a:buClr>
+                <a:srgbClr val="000099"/>
+              </a:buClr>
+              <a:buSzPct val="80000"/>
+              <a:buFont typeface="Arial" charset="2"/>
+              <a:buChar char="•"/>
+            </a:pPr>
+            <a:r>
+              <a:rPr lang="en-IN" sz="3600" b="0" strike="noStrike" spc="-1" dirty="0">
+                <a:solidFill>
+                  <a:srgbClr val="000000"/>
+                </a:solidFill>
+                <a:latin typeface="Century Schoolbook"/>
+              </a:rPr>
+              <a:t>The proposed approach attempts to create a chaos-based cryptosystem which is resistant against such brute-force quantum computing attacks.</a:t>
+            </a:r>
+            <a:r>
+              <a:rPr lang="en-IN" sz="3600" spc="-1" dirty="0">
+                <a:solidFill>
+                  <a:srgbClr val="000000"/>
+                </a:solidFill>
+                <a:latin typeface="Century Schoolbook"/>
+              </a:rPr>
+              <a:t> </a:t>
+            </a:r>
+            <a:endParaRPr lang="en-IN" sz="3600" b="0" strike="noStrike" spc="-1">
+              <a:latin typeface="Century Schoolbook"/>
+            </a:endParaRPr>
+          </a:p>
+          <a:p>
+            <a:pPr marL="723900" indent="-723265">
+              <a:spcBef>
+                <a:spcPts val="799"/>
+              </a:spcBef>
+              <a:spcAft>
+                <a:spcPts val="799"/>
+              </a:spcAft>
+              <a:buClr>
+                <a:srgbClr val="000099"/>
+              </a:buClr>
+              <a:buSzPct val="80000"/>
+              <a:buFont typeface="Arial" charset="2"/>
+              <a:buChar char="•"/>
+            </a:pPr>
+            <a:r>
+              <a:rPr lang="en-IN" sz="3600" b="0" strike="noStrike" spc="-1" dirty="0">
+                <a:solidFill>
+                  <a:srgbClr val="000000"/>
+                </a:solidFill>
+                <a:latin typeface="Century Schoolbook"/>
+              </a:rPr>
+              <a:t>The aim is to design and implement the cryptosystem in </a:t>
+            </a:r>
+            <a:r>
+              <a:rPr lang="en-IN" sz="3600" b="0" strike="noStrike" spc="-1">
+                <a:solidFill>
+                  <a:srgbClr val="000000"/>
+                </a:solidFill>
+                <a:latin typeface="Century Schoolbook"/>
+              </a:rPr>
+              <a:t>dedicated hardware like FPGA </a:t>
+            </a:r>
+            <a:r>
+              <a:rPr lang="en-IN" sz="3600" spc="-1">
+                <a:solidFill>
+                  <a:srgbClr val="000000"/>
+                </a:solidFill>
+                <a:latin typeface="Century Schoolbook"/>
+              </a:rPr>
+              <a:t>and analyse its performance and security</a:t>
+            </a:r>
+            <a:r>
+              <a:rPr lang="en-IN" sz="3600" b="0" strike="noStrike" spc="-1">
+                <a:solidFill>
+                  <a:srgbClr val="000000"/>
+                </a:solidFill>
+                <a:latin typeface="Century Schoolbook"/>
+              </a:rPr>
+              <a:t>.</a:t>
+            </a:r>
+          </a:p>
+        </p:txBody>
+      </p:sp>
+      <p:sp>
+        <p:nvSpPr>
+          <p:cNvPr id="51" name="CustomShape 10"/>
+          <p:cNvSpPr/>
+          <p:nvPr/>
+        </p:nvSpPr>
+        <p:spPr>
+          <a:xfrm>
+            <a:off x="1174480" y="19926675"/>
+            <a:ext cx="13499640" cy="7988217"/>
+          </a:xfrm>
+          <a:prstGeom prst="rect">
+            <a:avLst/>
+          </a:prstGeom>
+          <a:noFill/>
+          <a:ln w="9360">
+            <a:noFill/>
+          </a:ln>
+        </p:spPr>
+        <p:style>
+          <a:lnRef idx="0">
+            <a:scrgbClr r="0" g="0" b="0"/>
+          </a:lnRef>
+          <a:fillRef idx="0">
+            <a:scrgbClr r="0" g="0" b="0"/>
+          </a:fillRef>
+          <a:effectRef idx="0">
+            <a:scrgbClr r="0" g="0" b="0"/>
+          </a:effectRef>
+          <a:fontRef idx="minor"/>
+        </p:style>
+        <p:txBody>
+          <a:bodyPr lIns="90000" tIns="45000" rIns="90000" bIns="45000" anchor="t"/>
+          <a:lstStyle/>
+          <a:p>
+            <a:pPr marL="723900" indent="-723265">
+              <a:spcBef>
+                <a:spcPts val="799"/>
+              </a:spcBef>
+              <a:spcAft>
+                <a:spcPts val="799"/>
+              </a:spcAft>
+              <a:buClr>
+                <a:srgbClr val="000099"/>
+              </a:buClr>
+              <a:buSzPct val="80000"/>
+              <a:buFont typeface="Arial" charset="2"/>
+              <a:buChar char="•"/>
+            </a:pPr>
+            <a:r>
+              <a:rPr lang="en-IN" sz="3600" spc="-1">
+                <a:solidFill>
+                  <a:srgbClr val="000000"/>
+                </a:solidFill>
+                <a:latin typeface="Century Schoolbook"/>
+              </a:rPr>
+              <a:t>Simulate a </a:t>
+            </a:r>
+            <a:r>
+              <a:rPr lang="en-IN" sz="3600" b="0" strike="noStrike" spc="-1">
+                <a:solidFill>
+                  <a:srgbClr val="000000"/>
+                </a:solidFill>
+                <a:latin typeface="Century Schoolbook"/>
+              </a:rPr>
+              <a:t>multi-pendulum system </a:t>
+            </a:r>
+            <a:r>
+              <a:rPr lang="en-IN" sz="3600" spc="-1">
+                <a:solidFill>
+                  <a:srgbClr val="000000"/>
+                </a:solidFill>
+                <a:latin typeface="Century Schoolbook"/>
+              </a:rPr>
+              <a:t>using state space method in</a:t>
+            </a:r>
+            <a:r>
+              <a:rPr lang="en-IN" sz="3600" b="0" strike="noStrike" spc="-1">
+                <a:solidFill>
+                  <a:srgbClr val="000000"/>
+                </a:solidFill>
+                <a:latin typeface="Century Schoolbook"/>
+              </a:rPr>
+              <a:t> order to </a:t>
+            </a:r>
+            <a:r>
+              <a:rPr lang="en-IN" sz="3600" spc="-1">
+                <a:solidFill>
+                  <a:srgbClr val="000000"/>
+                </a:solidFill>
+                <a:latin typeface="Century Schoolbook"/>
+              </a:rPr>
+              <a:t>generate</a:t>
+            </a:r>
+            <a:r>
+              <a:rPr lang="en-IN" sz="3600" b="0" strike="noStrike" spc="-1">
+                <a:solidFill>
+                  <a:srgbClr val="000000"/>
+                </a:solidFill>
+                <a:latin typeface="Century Schoolbook"/>
+              </a:rPr>
+              <a:t> a chaotic map.</a:t>
+            </a:r>
+            <a:endParaRPr lang="en-IN" sz="3600" b="0" strike="noStrike" spc="-1">
+              <a:latin typeface="Century Schoolbook"/>
+            </a:endParaRPr>
+          </a:p>
+          <a:p>
+            <a:pPr marL="723900" indent="-723265">
+              <a:spcBef>
+                <a:spcPts val="799"/>
+              </a:spcBef>
+              <a:spcAft>
+                <a:spcPts val="799"/>
+              </a:spcAft>
+              <a:buClr>
+                <a:srgbClr val="000099"/>
+              </a:buClr>
+              <a:buSzPct val="80000"/>
+              <a:buFont typeface="Arial" charset="2"/>
+              <a:buChar char="•"/>
+            </a:pPr>
+            <a:r>
+              <a:rPr lang="en-IN" sz="3600" spc="-1">
+                <a:solidFill>
+                  <a:srgbClr val="000000"/>
+                </a:solidFill>
+                <a:latin typeface="Century Schoolbook"/>
+              </a:rPr>
+              <a:t>Use Baptista-type interval partitioning of the map for encrypting plaintext into ciphertext and vice-versa.</a:t>
+            </a:r>
+            <a:endParaRPr lang="en-IN" sz="3600" spc="-1" dirty="0">
+              <a:solidFill>
+                <a:srgbClr val="000000"/>
+              </a:solidFill>
+              <a:latin typeface="Century Schoolbook"/>
+            </a:endParaRPr>
+          </a:p>
+          <a:p>
+            <a:pPr marL="723900" indent="-723265">
+              <a:spcBef>
+                <a:spcPts val="799"/>
+              </a:spcBef>
+              <a:spcAft>
+                <a:spcPts val="799"/>
+              </a:spcAft>
+              <a:buClr>
+                <a:srgbClr val="000099"/>
+              </a:buClr>
+              <a:buSzPct val="80000"/>
+              <a:buFont typeface="Arial" charset="2"/>
+              <a:buChar char="•"/>
+            </a:pPr>
+            <a:r>
+              <a:rPr lang="en-IN" sz="3600" spc="-1">
+                <a:solidFill>
+                  <a:srgbClr val="000000"/>
+                </a:solidFill>
+                <a:latin typeface="Century Schoolbook"/>
+              </a:rPr>
+              <a:t>Implement the encryption-decryption algorithm on FPGA  and perform  necessary optimizations at hardware level to achieve computational efficiency.</a:t>
+            </a:r>
+            <a:endParaRPr lang="en-IN" sz="3600" spc="-1">
+              <a:latin typeface="Century Schoolbook"/>
+            </a:endParaRPr>
+          </a:p>
+          <a:p>
+            <a:pPr marL="723900" indent="-723265">
+              <a:spcBef>
+                <a:spcPts val="799"/>
+              </a:spcBef>
+              <a:spcAft>
+                <a:spcPts val="799"/>
+              </a:spcAft>
+              <a:buClr>
+                <a:srgbClr val="000099"/>
+              </a:buClr>
+              <a:buSzPct val="80000"/>
+              <a:buFont typeface="Arial" charset="2"/>
+              <a:buChar char="•"/>
+            </a:pPr>
+            <a:r>
+              <a:rPr lang="en-IN" sz="3600" spc="-1">
+                <a:solidFill>
+                  <a:srgbClr val="000000"/>
+                </a:solidFill>
+                <a:latin typeface="Century Schoolbook"/>
+              </a:rPr>
+              <a:t>Implement ALU with variable precision to enable the study of variation in the level of security based on precision.</a:t>
+            </a:r>
+            <a:endParaRPr lang="en-IN" sz="3600" spc="-1">
+              <a:latin typeface="Century Schoolbook"/>
+            </a:endParaRPr>
+          </a:p>
+          <a:p>
+            <a:pPr marL="723900" indent="-723265">
+              <a:spcBef>
+                <a:spcPts val="799"/>
+              </a:spcBef>
+              <a:spcAft>
+                <a:spcPts val="799"/>
+              </a:spcAft>
+              <a:buClr>
+                <a:srgbClr val="000099"/>
+              </a:buClr>
+              <a:buSzPct val="80000"/>
+              <a:buFont typeface="Arial" charset="2"/>
+              <a:buChar char="•"/>
+            </a:pPr>
+            <a:r>
+              <a:rPr lang="en-IN" sz="3600" spc="-1">
+                <a:solidFill>
+                  <a:srgbClr val="000000"/>
+                </a:solidFill>
+                <a:latin typeface="Century Schoolbook"/>
+              </a:rPr>
+              <a:t>Generate and maintain a set of</a:t>
+            </a:r>
+            <a:r>
+              <a:rPr lang="en-IN" sz="3600" b="0" strike="noStrike" spc="-1">
+                <a:solidFill>
+                  <a:srgbClr val="000000"/>
+                </a:solidFill>
+                <a:latin typeface="Century Schoolbook"/>
+              </a:rPr>
+              <a:t> valid </a:t>
+            </a:r>
+            <a:r>
+              <a:rPr lang="en-IN" sz="3600" spc="-1">
+                <a:solidFill>
+                  <a:srgbClr val="000000"/>
+                </a:solidFill>
+                <a:latin typeface="Century Schoolbook"/>
+              </a:rPr>
+              <a:t>keys for</a:t>
+            </a:r>
+            <a:r>
+              <a:rPr lang="en-IN" sz="3600" b="0" strike="noStrike" spc="-1">
+                <a:solidFill>
+                  <a:srgbClr val="000000"/>
+                </a:solidFill>
+                <a:latin typeface="Century Schoolbook"/>
+              </a:rPr>
+              <a:t> </a:t>
+            </a:r>
+            <a:r>
+              <a:rPr lang="en-IN" sz="3600" spc="-1">
+                <a:solidFill>
+                  <a:srgbClr val="000000"/>
+                </a:solidFill>
+                <a:latin typeface="Century Schoolbook"/>
+              </a:rPr>
+              <a:t>the </a:t>
+            </a:r>
+            <a:r>
+              <a:rPr lang="en-IN" sz="3600" b="0" strike="noStrike" spc="-1">
+                <a:solidFill>
+                  <a:srgbClr val="000000"/>
+                </a:solidFill>
+                <a:latin typeface="Century Schoolbook"/>
+              </a:rPr>
+              <a:t>mapping</a:t>
+            </a:r>
+            <a:r>
+              <a:rPr lang="en-IN" sz="3600" spc="-1">
+                <a:solidFill>
+                  <a:srgbClr val="000000"/>
+                </a:solidFill>
+                <a:latin typeface="Century Schoolbook"/>
+              </a:rPr>
+              <a:t>.</a:t>
+            </a:r>
+            <a:endParaRPr lang="en-IN" sz="3600" b="0" strike="noStrike" spc="-1">
+              <a:latin typeface="Century Schoolbook"/>
+            </a:endParaRPr>
+          </a:p>
+          <a:p>
+            <a:pPr marL="723900" indent="-723265">
+              <a:spcBef>
+                <a:spcPts val="799"/>
+              </a:spcBef>
+              <a:spcAft>
+                <a:spcPts val="799"/>
+              </a:spcAft>
+              <a:buClr>
+                <a:srgbClr val="000099"/>
+              </a:buClr>
+              <a:buSzPct val="80000"/>
+              <a:buFont typeface="Arial" charset="2"/>
+              <a:buChar char="•"/>
+            </a:pPr>
+            <a:r>
+              <a:rPr lang="en-IN" sz="3600" spc="-1">
+                <a:latin typeface="Century Schoolbook"/>
+              </a:rPr>
+              <a:t>Implemented USB and Ethernet modules  for </a:t>
+            </a:r>
+            <a:r>
+              <a:rPr lang="en-IN" sz="3600" spc="-1" dirty="0">
+                <a:latin typeface="Century Schoolbook"/>
+              </a:rPr>
+              <a:t>interfacing with external devices. </a:t>
+            </a:r>
+            <a:endParaRPr lang="en-IN" sz="3600" b="0" strike="noStrike" spc="-1">
+              <a:latin typeface="Arial"/>
+            </a:endParaRPr>
+          </a:p>
+        </p:txBody>
+      </p:sp>
+      <p:sp>
+        <p:nvSpPr>
+          <p:cNvPr id="52" name="CustomShape 11"/>
+          <p:cNvSpPr/>
+          <p:nvPr/>
+        </p:nvSpPr>
+        <p:spPr>
+          <a:xfrm>
+            <a:off x="15291154" y="11595347"/>
+            <a:ext cx="13544499" cy="1888197"/>
+          </a:xfrm>
+          <a:prstGeom prst="rect">
+            <a:avLst/>
+          </a:prstGeom>
+          <a:noFill/>
+          <a:ln w="9360">
+            <a:noFill/>
+          </a:ln>
+        </p:spPr>
+        <p:style>
+          <a:lnRef idx="0">
+            <a:scrgbClr r="0" g="0" b="0"/>
+          </a:lnRef>
+          <a:fillRef idx="0">
+            <a:scrgbClr r="0" g="0" b="0"/>
+          </a:fillRef>
+          <a:effectRef idx="0">
+            <a:scrgbClr r="0" g="0" b="0"/>
+          </a:effectRef>
+          <a:fontRef idx="minor"/>
+        </p:style>
+        <p:txBody>
+          <a:bodyPr lIns="90000" tIns="45000" rIns="90000" bIns="45000" anchor="t"/>
+          <a:lstStyle/>
+          <a:p>
+            <a:pPr marL="723900" indent="-723265">
+              <a:spcBef>
+                <a:spcPts val="799"/>
+              </a:spcBef>
+              <a:spcAft>
+                <a:spcPts val="799"/>
+              </a:spcAft>
+              <a:buClr>
+                <a:srgbClr val="000099"/>
+              </a:buClr>
+              <a:buSzPct val="80000"/>
+              <a:buFont typeface="Arial" charset="2"/>
+              <a:buChar char="•"/>
+            </a:pPr>
+            <a:r>
+              <a:rPr lang="en-IN" sz="3600" b="0" strike="noStrike" spc="-1">
+                <a:solidFill>
+                  <a:srgbClr val="000000"/>
+                </a:solidFill>
+                <a:latin typeface="Century Schoolbook"/>
+              </a:rPr>
+              <a:t>The</a:t>
+            </a:r>
+            <a:r>
+              <a:rPr lang="en-IN" sz="3600" spc="-1">
+                <a:solidFill>
+                  <a:srgbClr val="000000"/>
+                </a:solidFill>
+                <a:latin typeface="Century Schoolbook"/>
+              </a:rPr>
+              <a:t> simulation of</a:t>
+            </a:r>
+            <a:r>
+              <a:rPr lang="en-IN" sz="3600" b="0" strike="noStrike" spc="-1">
+                <a:solidFill>
+                  <a:srgbClr val="000000"/>
+                </a:solidFill>
+                <a:latin typeface="Century Schoolbook"/>
+              </a:rPr>
+              <a:t> multi-pendulum system </a:t>
+            </a:r>
+            <a:r>
+              <a:rPr lang="en-IN" sz="3600" spc="-1">
+                <a:solidFill>
+                  <a:srgbClr val="000000"/>
+                </a:solidFill>
+                <a:latin typeface="Century Schoolbook"/>
+              </a:rPr>
+              <a:t>was verified in MATLAB and a set of valid keys for generation of chaotic maps from the model were generated.</a:t>
+            </a:r>
+            <a:endParaRPr lang="en-IN" sz="3600" b="0" strike="noStrike" spc="-1" dirty="0">
+              <a:latin typeface="Times New Roman"/>
+            </a:endParaRPr>
+          </a:p>
+        </p:txBody>
+      </p:sp>
+      <p:sp>
+        <p:nvSpPr>
+          <p:cNvPr id="53" name="CustomShape 12"/>
+          <p:cNvSpPr/>
+          <p:nvPr/>
+        </p:nvSpPr>
+        <p:spPr>
+          <a:xfrm>
+            <a:off x="15300720" y="10588893"/>
+            <a:ext cx="13003560" cy="763920"/>
+          </a:xfrm>
+          <a:prstGeom prst="rect">
+            <a:avLst/>
+          </a:prstGeom>
+          <a:noFill/>
+          <a:ln w="25560">
+            <a:noFill/>
+          </a:ln>
+        </p:spPr>
+        <p:style>
+          <a:lnRef idx="0">
+            <a:scrgbClr r="0" g="0" b="0"/>
+          </a:lnRef>
+          <a:fillRef idx="0">
+            <a:scrgbClr r="0" g="0" b="0"/>
+          </a:fillRef>
+          <a:effectRef idx="0">
+            <a:scrgbClr r="0" g="0" b="0"/>
+          </a:effectRef>
+          <a:fontRef idx="minor"/>
+        </p:style>
+        <p:txBody>
+          <a:bodyPr lIns="90000" tIns="45000" rIns="90000" bIns="45000" anchor="ctr"/>
+          <a:lstStyle/>
+          <a:p>
+            <a:pPr>
+              <a:lnSpc>
+                <a:spcPct val="100000"/>
+              </a:lnSpc>
+            </a:pPr>
+            <a:r>
+              <a:rPr lang="en-IN" sz="4400" b="1" strike="noStrike" spc="-1" dirty="0">
+                <a:solidFill>
+                  <a:srgbClr val="000099"/>
+                </a:solidFill>
+                <a:latin typeface="Garamond" panose="02020404030301010803" pitchFamily="18" charset="0"/>
+              </a:rPr>
+              <a:t>4. </a:t>
+            </a:r>
+            <a:r>
+              <a:rPr lang="en-IN" sz="4400" b="1" spc="-1" dirty="0">
+                <a:solidFill>
+                  <a:srgbClr val="000099"/>
+                </a:solidFill>
+                <a:latin typeface="Garamond" panose="02020404030301010803" pitchFamily="18" charset="0"/>
+              </a:rPr>
+              <a:t>WORK PROGRESS</a:t>
+            </a:r>
+            <a:endParaRPr lang="en-IN" sz="4400" b="0" strike="noStrike" spc="-1" dirty="0">
+              <a:latin typeface="Garamond" panose="02020404030301010803" pitchFamily="18" charset="0"/>
+            </a:endParaRPr>
+          </a:p>
+        </p:txBody>
+      </p:sp>
+      <p:pic>
+        <p:nvPicPr>
+          <p:cNvPr id="54" name="Picture 53"/>
+          <p:cNvPicPr/>
+          <p:nvPr/>
+        </p:nvPicPr>
+        <p:blipFill>
+          <a:blip r:embed="rId3"/>
+          <a:stretch/>
+        </p:blipFill>
+        <p:spPr>
+          <a:xfrm>
+            <a:off x="1243229" y="28805048"/>
+            <a:ext cx="13544077" cy="2681933"/>
+          </a:xfrm>
+          <a:prstGeom prst="rect">
+            <a:avLst/>
+          </a:prstGeom>
+          <a:ln>
+            <a:noFill/>
+          </a:ln>
+        </p:spPr>
+      </p:pic>
+      <p:pic>
+        <p:nvPicPr>
+          <p:cNvPr id="55" name="Picture 54"/>
+          <p:cNvPicPr/>
+          <p:nvPr/>
+        </p:nvPicPr>
+        <p:blipFill>
+          <a:blip r:embed="rId4"/>
+          <a:stretch/>
+        </p:blipFill>
+        <p:spPr>
+          <a:xfrm>
+            <a:off x="1523573" y="32256344"/>
+            <a:ext cx="6754158" cy="5469951"/>
+          </a:xfrm>
+          <a:prstGeom prst="rect">
+            <a:avLst/>
+          </a:prstGeom>
+          <a:ln>
+            <a:noFill/>
+          </a:ln>
+        </p:spPr>
+      </p:pic>
+      <p:pic>
+        <p:nvPicPr>
+          <p:cNvPr id="56" name="Picture 55" descr="A close up of a map&#10;&#10;Description generated with high confidence"/>
+          <p:cNvPicPr/>
+          <p:nvPr/>
+        </p:nvPicPr>
+        <p:blipFill>
+          <a:blip r:embed="rId5"/>
+          <a:stretch/>
+        </p:blipFill>
+        <p:spPr>
+          <a:xfrm>
+            <a:off x="15613120" y="13480484"/>
+            <a:ext cx="6661097" cy="5326915"/>
+          </a:xfrm>
+          <a:prstGeom prst="rect">
+            <a:avLst/>
+          </a:prstGeom>
+          <a:ln>
+            <a:noFill/>
+          </a:ln>
+        </p:spPr>
+      </p:pic>
+      <p:sp>
+        <p:nvSpPr>
+          <p:cNvPr id="57" name="CustomShape 13"/>
+          <p:cNvSpPr/>
+          <p:nvPr/>
+        </p:nvSpPr>
+        <p:spPr>
+          <a:xfrm>
+            <a:off x="15291141" y="19115224"/>
+            <a:ext cx="13544499" cy="3810130"/>
+          </a:xfrm>
+          <a:prstGeom prst="rect">
+            <a:avLst/>
+          </a:prstGeom>
+          <a:noFill/>
+          <a:ln w="9360">
+            <a:noFill/>
+          </a:ln>
+        </p:spPr>
+        <p:style>
+          <a:lnRef idx="0">
+            <a:scrgbClr r="0" g="0" b="0"/>
+          </a:lnRef>
+          <a:fillRef idx="0">
+            <a:scrgbClr r="0" g="0" b="0"/>
+          </a:fillRef>
+          <a:effectRef idx="0">
+            <a:scrgbClr r="0" g="0" b="0"/>
+          </a:effectRef>
+          <a:fontRef idx="minor"/>
+        </p:style>
+        <p:txBody>
+          <a:bodyPr lIns="90000" tIns="45000" rIns="90000" bIns="45000" anchor="t"/>
+          <a:lstStyle/>
+          <a:p>
+            <a:pPr marL="723900" indent="-723265">
+              <a:spcBef>
+                <a:spcPts val="799"/>
+              </a:spcBef>
+              <a:spcAft>
+                <a:spcPts val="799"/>
+              </a:spcAft>
+              <a:buClr>
+                <a:srgbClr val="000099"/>
+              </a:buClr>
+              <a:buSzPct val="80000"/>
+              <a:buFont typeface="Arial" charset="2"/>
+              <a:buChar char="•"/>
+            </a:pPr>
+            <a:r>
+              <a:rPr lang="en-IN" sz="3600" spc="-1">
+                <a:solidFill>
+                  <a:srgbClr val="000000"/>
+                </a:solidFill>
+                <a:latin typeface="Century Schoolbook"/>
+              </a:rPr>
+              <a:t>Necessary statistical analysis were performed for testing randomness of the chaotic map.</a:t>
+            </a:r>
+            <a:endParaRPr lang="en-IN" sz="3600" spc="-1" dirty="0">
+              <a:solidFill>
+                <a:srgbClr val="000000"/>
+              </a:solidFill>
+              <a:latin typeface="Century Schoolbook"/>
+            </a:endParaRPr>
+          </a:p>
+          <a:p>
+            <a:pPr marL="723900" indent="-723265">
+              <a:spcBef>
+                <a:spcPts val="799"/>
+              </a:spcBef>
+              <a:spcAft>
+                <a:spcPts val="799"/>
+              </a:spcAft>
+              <a:buClr>
+                <a:srgbClr val="000099"/>
+              </a:buClr>
+              <a:buSzPct val="80000"/>
+              <a:buFont typeface="Arial" charset="2"/>
+              <a:buChar char="•"/>
+            </a:pPr>
+            <a:r>
+              <a:rPr lang="en-IN" sz="3600" spc="-1">
+                <a:solidFill>
+                  <a:srgbClr val="000000"/>
+                </a:solidFill>
+                <a:latin typeface="Century Schoolbook"/>
+              </a:rPr>
+              <a:t>Hardware implementation was carried on the target device </a:t>
+            </a:r>
+            <a:r>
+              <a:rPr lang="en-IN" sz="3600" spc="-1" err="1">
+                <a:solidFill>
+                  <a:srgbClr val="000000"/>
+                </a:solidFill>
+                <a:latin typeface="Century Schoolbook"/>
+              </a:rPr>
+              <a:t>Digilent</a:t>
+            </a:r>
+            <a:r>
+              <a:rPr lang="en-IN" sz="3600" spc="-1">
+                <a:solidFill>
+                  <a:srgbClr val="000000"/>
+                </a:solidFill>
+                <a:latin typeface="Century Schoolbook"/>
+              </a:rPr>
+              <a:t> Nexys4 board having Xilinx Artix-7 FPGA.</a:t>
+            </a:r>
+            <a:endParaRPr lang="en-US" sz="3600">
+              <a:latin typeface="Century Schoolbook"/>
+            </a:endParaRPr>
+          </a:p>
+          <a:p>
+            <a:pPr marL="723900" indent="-723265">
+              <a:spcBef>
+                <a:spcPts val="799"/>
+              </a:spcBef>
+              <a:spcAft>
+                <a:spcPts val="799"/>
+              </a:spcAft>
+              <a:buClr>
+                <a:srgbClr val="000099"/>
+              </a:buClr>
+              <a:buSzPct val="80000"/>
+              <a:buFont typeface="Arial" charset="2"/>
+              <a:buChar char="•"/>
+            </a:pPr>
+            <a:r>
+              <a:rPr lang="en-IN" sz="3600" spc="-1">
+                <a:latin typeface="Century Schoolbook"/>
+              </a:rPr>
+              <a:t>The keys and the mapped values were stored in LUTs in the FPGA for fast encryption and decryption.</a:t>
+            </a:r>
+          </a:p>
+          <a:p>
+            <a:pPr marL="723900" indent="-723265">
               <a:lnSpc>
                 <a:spcPct val="100000"/>
               </a:lnSpc>
@@ -2985,24 +3862,18 @@
                 <a:srgbClr val="000099"/>
               </a:buClr>
               <a:buSzPct val="80000"/>
-              <a:buFont typeface="Wingdings" charset="2"/>
-              <a:buChar char=""/>
+              <a:buFont typeface="Arial" charset="2"/>
+              <a:buChar char="•"/>
             </a:pPr>
-            <a:r>
-              <a:rPr lang="en-IN" sz="4000" b="0" strike="noStrike" spc="-1" dirty="0">
-                <a:solidFill>
-                  <a:srgbClr val="000000"/>
-                </a:solidFill>
-                <a:latin typeface="Century Schoolbook" panose="02040604050505020304" pitchFamily="18" charset="0"/>
-              </a:rPr>
-              <a:t>Most of the present-day encryption algorithms are largely designed around a 'trap-door functions' which are problems with sufficient computational hardness.</a:t>
-            </a:r>
-            <a:endParaRPr lang="en-IN" sz="4000" b="0" strike="noStrike" spc="-1" dirty="0">
-              <a:latin typeface="Century Schoolbook" panose="02040604050505020304" pitchFamily="18" charset="0"/>
-            </a:endParaRPr>
-          </a:p>
-          <a:p>
-            <a:pPr marL="723960" indent="-723600" algn="just">
+            <a:endParaRPr lang="en-IN" sz="3600" b="0" strike="noStrike" spc="-1" dirty="0">
+              <a:solidFill>
+                <a:srgbClr val="000000"/>
+              </a:solidFill>
+              <a:latin typeface="Century Schoolbook"/>
+            </a:endParaRPr>
+          </a:p>
+          <a:p>
+            <a:pPr marL="723900" indent="-723265">
               <a:lnSpc>
                 <a:spcPct val="100000"/>
               </a:lnSpc>
@@ -3016,54 +3887,34 @@
                 <a:srgbClr val="000099"/>
               </a:buClr>
               <a:buSzPct val="80000"/>
-              <a:buFont typeface="Wingdings" charset="2"/>
-              <a:buChar char=""/>
+              <a:buFont typeface="Arial" charset="2"/>
+              <a:buChar char="•"/>
             </a:pPr>
-            <a:r>
-              <a:rPr lang="en-IN" sz="4000" b="0" strike="noStrike" spc="-1" dirty="0">
-                <a:solidFill>
-                  <a:srgbClr val="000000"/>
-                </a:solidFill>
-                <a:latin typeface="Century Schoolbook" panose="02040604050505020304" pitchFamily="18" charset="0"/>
-              </a:rPr>
-              <a:t>Popular symmetric and asymmetric cryptosystems including RSA, ECC, DES, </a:t>
-            </a:r>
-            <a:r>
-              <a:rPr lang="en-IN" sz="4000" b="0" strike="noStrike" spc="-1" dirty="0" err="1" smtClean="0">
-                <a:solidFill>
-                  <a:srgbClr val="000000"/>
-                </a:solidFill>
-                <a:latin typeface="Century Schoolbook" panose="02040604050505020304" pitchFamily="18" charset="0"/>
-              </a:rPr>
-              <a:t>DiffieHellman</a:t>
-            </a:r>
-            <a:r>
-              <a:rPr lang="en-IN" sz="4000" b="0" strike="noStrike" spc="-1" dirty="0" smtClean="0">
-                <a:solidFill>
-                  <a:srgbClr val="000000"/>
-                </a:solidFill>
-                <a:latin typeface="Century Schoolbook" panose="02040604050505020304" pitchFamily="18" charset="0"/>
-              </a:rPr>
-              <a:t> </a:t>
-            </a:r>
-            <a:r>
-              <a:rPr lang="en-IN" sz="4000" b="0" strike="noStrike" spc="-1" dirty="0">
-                <a:solidFill>
-                  <a:srgbClr val="000000"/>
-                </a:solidFill>
-                <a:latin typeface="Century Schoolbook" panose="02040604050505020304" pitchFamily="18" charset="0"/>
-              </a:rPr>
-              <a:t>etc. are based on the integer factorization problem and discrete logarithm problem.</a:t>
-            </a:r>
-            <a:endParaRPr lang="en-IN" sz="4000" b="0" strike="noStrike" spc="-1" dirty="0">
-              <a:latin typeface="Century Schoolbook" panose="02040604050505020304" pitchFamily="18" charset="0"/>
-            </a:endParaRPr>
-          </a:p>
-          <a:p>
-            <a:pPr marL="723960" indent="-723600" algn="just">
-              <a:lnSpc>
-                <a:spcPct val="100000"/>
-              </a:lnSpc>
+            <a:endParaRPr lang="en-IN" sz="3600" b="0" strike="noStrike" spc="-1" dirty="0">
+              <a:latin typeface="Century Schoolbook"/>
+            </a:endParaRPr>
+          </a:p>
+          <a:p>
+            <a:pPr marL="723900" indent="-723265">
+              <a:spcBef>
+                <a:spcPts val="799"/>
+              </a:spcBef>
+              <a:spcAft>
+                <a:spcPts val="799"/>
+              </a:spcAft>
+              <a:buClr>
+                <a:srgbClr val="000099"/>
+              </a:buClr>
+              <a:buSzPct val="80000"/>
+              <a:buFont typeface="Arial" charset="2"/>
+              <a:buChar char="•"/>
+            </a:pPr>
+            <a:endParaRPr lang="en-IN" sz="3600" spc="-1" dirty="0">
+              <a:latin typeface="Century Schoolbook"/>
+            </a:endParaRPr>
+          </a:p>
+          <a:p>
+            <a:pPr marL="723900" indent="-723265">
               <a:spcBef>
                 <a:spcPts val="799"/>
               </a:spcBef>
@@ -3077,111 +3928,22 @@
               <a:buFont typeface="Wingdings" charset="2"/>
               <a:buChar char=""/>
             </a:pPr>
-            <a:r>
-              <a:rPr lang="en-IN" sz="4000" b="0" strike="noStrike" spc="-1" dirty="0">
-                <a:solidFill>
-                  <a:srgbClr val="000000"/>
-                </a:solidFill>
-                <a:latin typeface="Century Schoolbook" panose="02040604050505020304" pitchFamily="18" charset="0"/>
-              </a:rPr>
-              <a:t>These problems can be efficient solved using Quantum computer running Shor’s algorithm within reasonable time.</a:t>
-            </a:r>
-            <a:endParaRPr lang="en-IN" sz="4000" b="0" strike="noStrike" spc="-1" dirty="0">
-              <a:latin typeface="Century Schoolbook" panose="02040604050505020304" pitchFamily="18" charset="0"/>
-            </a:endParaRPr>
-          </a:p>
-          <a:p>
-            <a:pPr marL="723960" indent="-723600" algn="just">
-              <a:lnSpc>
-                <a:spcPct val="100000"/>
-              </a:lnSpc>
-              <a:spcBef>
-                <a:spcPts val="799"/>
-              </a:spcBef>
-              <a:spcAft>
-                <a:spcPts val="799"/>
-              </a:spcAft>
-              <a:buClr>
-                <a:srgbClr val="000099"/>
-              </a:buClr>
-              <a:buSzPct val="80000"/>
-              <a:buFont typeface="Wingdings" charset="2"/>
-              <a:buChar char=""/>
-            </a:pPr>
-            <a:r>
-              <a:rPr lang="en-IN" sz="4000" b="0" strike="noStrike" spc="-1" dirty="0">
-                <a:solidFill>
-                  <a:srgbClr val="000000"/>
-                </a:solidFill>
-                <a:latin typeface="Century Schoolbook" panose="02040604050505020304" pitchFamily="18" charset="0"/>
-              </a:rPr>
-              <a:t>The proposed approach attempts to create a chaos-based cryptosystem which is resistant against such brute-force quantum computing attacks. </a:t>
-            </a:r>
-            <a:endParaRPr lang="en-IN" sz="4000" b="0" strike="noStrike" spc="-1" dirty="0">
-              <a:latin typeface="Century Schoolbook" panose="02040604050505020304" pitchFamily="18" charset="0"/>
-            </a:endParaRPr>
-          </a:p>
-          <a:p>
-            <a:pPr marL="723960" indent="-723600" algn="just">
-              <a:lnSpc>
-                <a:spcPct val="100000"/>
-              </a:lnSpc>
-              <a:spcBef>
-                <a:spcPts val="799"/>
-              </a:spcBef>
-              <a:spcAft>
-                <a:spcPts val="799"/>
-              </a:spcAft>
-              <a:buClr>
-                <a:srgbClr val="000099"/>
-              </a:buClr>
-              <a:buSzPct val="80000"/>
-              <a:buFont typeface="Wingdings" charset="2"/>
-              <a:buChar char=""/>
-            </a:pPr>
-            <a:r>
-              <a:rPr lang="en-IN" sz="4000" b="0" strike="noStrike" spc="-1" dirty="0">
-                <a:solidFill>
-                  <a:srgbClr val="000000"/>
-                </a:solidFill>
-                <a:latin typeface="Century Schoolbook" panose="02040604050505020304" pitchFamily="18" charset="0"/>
-              </a:rPr>
-              <a:t>The aim is to design and </a:t>
-            </a:r>
-            <a:r>
-              <a:rPr lang="en-IN" sz="4000" b="0" strike="noStrike" spc="-1" dirty="0" smtClean="0">
-                <a:solidFill>
-                  <a:srgbClr val="000000"/>
-                </a:solidFill>
-                <a:latin typeface="Century Schoolbook" panose="02040604050505020304" pitchFamily="18" charset="0"/>
-              </a:rPr>
-              <a:t>implement </a:t>
-            </a:r>
-            <a:r>
-              <a:rPr lang="en-IN" sz="4000" b="0" strike="noStrike" spc="-1" dirty="0">
-                <a:solidFill>
-                  <a:srgbClr val="000000"/>
-                </a:solidFill>
-                <a:latin typeface="Century Schoolbook" panose="02040604050505020304" pitchFamily="18" charset="0"/>
-              </a:rPr>
-              <a:t>the cryptosystem in dedicated hardware like FPGA and analyse its performance and security.</a:t>
-            </a:r>
-            <a:endParaRPr lang="en-IN" sz="4000" b="0" strike="noStrike" spc="-1" dirty="0">
-              <a:latin typeface="Century Schoolbook" panose="02040604050505020304" pitchFamily="18" charset="0"/>
-            </a:endParaRPr>
-          </a:p>
-        </p:txBody>
-      </p:sp>
-      <p:sp>
-        <p:nvSpPr>
-          <p:cNvPr id="51" name="CustomShape 10"/>
+            <a:endParaRPr lang="en-IN" sz="3600" spc="-1" dirty="0">
+              <a:latin typeface="Century Schoolbook"/>
+            </a:endParaRPr>
+          </a:p>
+        </p:txBody>
+      </p:sp>
+      <p:sp>
+        <p:nvSpPr>
+          <p:cNvPr id="58" name="CustomShape 14"/>
           <p:cNvSpPr/>
           <p:nvPr/>
         </p:nvSpPr>
         <p:spPr>
           <a:xfrm>
-            <a:off x="1219320" y="34079760"/>
-            <a:ext cx="13499640" cy="7606800"/>
+            <a:off x="15312773" y="28001587"/>
+            <a:ext cx="13342634" cy="1224386"/>
           </a:xfrm>
           <a:prstGeom prst="rect">
             <a:avLst/>
@@ -3204,13 +3966,10 @@
           <a:fontRef idx="minor"/>
         </p:style>
         <p:txBody>
-          <a:bodyPr lIns="90000" tIns="45000" rIns="90000" bIns="45000"/>
-          <a:lstStyle/>
-          <a:p>
-            <a:pPr marL="723960" indent="-723600" algn="just">
-              <a:lnSpc>
-                <a:spcPct val="100000"/>
-              </a:lnSpc>
+          <a:bodyPr lIns="90000" tIns="45000" rIns="90000" bIns="45000" anchor="t"/>
+          <a:lstStyle/>
+          <a:p>
+            <a:pPr marL="572135" indent="-571500">
               <a:spcBef>
                 <a:spcPts val="799"/>
               </a:spcBef>
@@ -3221,212 +3980,99 @@
                 <a:srgbClr val="000099"/>
               </a:buClr>
               <a:buSzPct val="80000"/>
-              <a:buFont typeface="Wingdings" charset="2"/>
-              <a:buChar char=""/>
+              <a:buFont typeface="Arial"/>
+              <a:buChar char="•"/>
             </a:pPr>
             <a:r>
-              <a:rPr lang="en-IN" sz="4000" b="0" strike="noStrike" spc="-1" dirty="0">
-                <a:solidFill>
-                  <a:srgbClr val="000000"/>
-                </a:solidFill>
-                <a:latin typeface="Times New Roman"/>
-              </a:rPr>
-              <a:t>A multi-pendulum </a:t>
-            </a:r>
-            <a:r>
-              <a:rPr lang="en-IN" sz="4000" b="0" strike="noStrike" spc="-1" dirty="0" smtClean="0">
-                <a:solidFill>
-                  <a:srgbClr val="000000"/>
-                </a:solidFill>
-                <a:latin typeface="Times New Roman"/>
-              </a:rPr>
-              <a:t>system </a:t>
-            </a:r>
-            <a:r>
-              <a:rPr lang="en-IN" sz="4000" b="0" strike="noStrike" spc="-1" dirty="0">
-                <a:solidFill>
-                  <a:srgbClr val="000000"/>
-                </a:solidFill>
-                <a:latin typeface="Times New Roman"/>
-              </a:rPr>
-              <a:t>is simulated in order to create a chaotic map for encryption and decryption.</a:t>
-            </a:r>
-            <a:endParaRPr lang="en-IN" sz="4000" b="0" strike="noStrike" spc="-1" dirty="0">
-              <a:latin typeface="Arial"/>
-            </a:endParaRPr>
-          </a:p>
-          <a:p>
-            <a:pPr marL="723960" indent="-723600" algn="just">
-              <a:lnSpc>
-                <a:spcPct val="100000"/>
-              </a:lnSpc>
-              <a:spcBef>
-                <a:spcPts val="799"/>
-              </a:spcBef>
-              <a:spcAft>
-                <a:spcPts val="799"/>
-              </a:spcAft>
-              <a:buClr>
-                <a:srgbClr val="000099"/>
-              </a:buClr>
-              <a:buSzPct val="80000"/>
-              <a:buFont typeface="Wingdings" charset="2"/>
-              <a:buChar char=""/>
-            </a:pPr>
-            <a:r>
-              <a:rPr lang="en-IN" sz="4000" b="0" strike="noStrike" spc="-1" dirty="0">
-                <a:solidFill>
-                  <a:srgbClr val="000000"/>
-                </a:solidFill>
-                <a:latin typeface="Times New Roman"/>
-              </a:rPr>
-              <a:t>A set of valid keys are to be generated for mapping the plain-text to cipher-text and revert back to clear-text.</a:t>
-            </a:r>
-            <a:endParaRPr lang="en-IN" sz="4000" b="0" strike="noStrike" spc="-1" dirty="0">
-              <a:latin typeface="Arial"/>
-            </a:endParaRPr>
-          </a:p>
-          <a:p>
-            <a:pPr marL="723960" indent="-723600" algn="just">
-              <a:lnSpc>
-                <a:spcPct val="100000"/>
-              </a:lnSpc>
-              <a:spcBef>
-                <a:spcPts val="799"/>
-              </a:spcBef>
-              <a:spcAft>
-                <a:spcPts val="799"/>
-              </a:spcAft>
-              <a:buClr>
-                <a:srgbClr val="000099"/>
-              </a:buClr>
-              <a:buSzPct val="80000"/>
-              <a:buFont typeface="Wingdings" charset="2"/>
-              <a:buChar char=""/>
-            </a:pPr>
-            <a:r>
-              <a:rPr lang="en-IN" sz="4000" b="0" strike="noStrike" spc="-1" dirty="0">
-                <a:solidFill>
-                  <a:srgbClr val="000000"/>
-                </a:solidFill>
-                <a:latin typeface="Times New Roman"/>
-              </a:rPr>
-              <a:t>The entire algorithm is implemented on FPGA and necessary optimizations are </a:t>
-            </a:r>
-            <a:r>
-              <a:rPr lang="en-IN" sz="4000" b="0" strike="noStrike" spc="-1" dirty="0" smtClean="0">
-                <a:solidFill>
-                  <a:srgbClr val="000000"/>
-                </a:solidFill>
-                <a:latin typeface="Times New Roman"/>
-              </a:rPr>
-              <a:t>to be performed </a:t>
-            </a:r>
-            <a:r>
-              <a:rPr lang="en-IN" sz="4000" b="0" strike="noStrike" spc="-1" dirty="0">
-                <a:solidFill>
-                  <a:srgbClr val="000000"/>
-                </a:solidFill>
-                <a:latin typeface="Times New Roman"/>
-              </a:rPr>
-              <a:t>at hardware level to achieve computational efficiency.</a:t>
-            </a:r>
-            <a:endParaRPr lang="en-IN" sz="4000" b="0" strike="noStrike" spc="-1" dirty="0">
-              <a:latin typeface="Arial"/>
-            </a:endParaRPr>
-          </a:p>
-          <a:p>
-            <a:pPr marL="723960" indent="-723600" algn="just">
-              <a:lnSpc>
-                <a:spcPct val="100000"/>
-              </a:lnSpc>
-              <a:spcBef>
-                <a:spcPts val="799"/>
-              </a:spcBef>
-              <a:spcAft>
-                <a:spcPts val="799"/>
-              </a:spcAft>
-              <a:buClr>
-                <a:srgbClr val="000099"/>
-              </a:buClr>
-              <a:buSzPct val="80000"/>
-              <a:buFont typeface="Wingdings" charset="2"/>
-              <a:buChar char=""/>
-            </a:pPr>
-            <a:r>
-              <a:rPr lang="en-IN" sz="4000" b="0" strike="noStrike" spc="-1" dirty="0">
-                <a:solidFill>
-                  <a:srgbClr val="000000"/>
-                </a:solidFill>
-                <a:latin typeface="Times New Roman"/>
-              </a:rPr>
-              <a:t>Implement ALU with variable precision to enable the study of variation in the level of security based on precision.</a:t>
-            </a:r>
-            <a:endParaRPr lang="en-IN" sz="4000" b="0" strike="noStrike" spc="-1" dirty="0">
-              <a:latin typeface="Arial"/>
-            </a:endParaRPr>
-          </a:p>
-          <a:p>
-            <a:pPr marL="723960" indent="-723600" algn="just">
-              <a:lnSpc>
-                <a:spcPct val="100000"/>
-              </a:lnSpc>
-              <a:spcBef>
-                <a:spcPts val="799"/>
-              </a:spcBef>
-              <a:spcAft>
-                <a:spcPts val="799"/>
-              </a:spcAft>
-              <a:buClr>
-                <a:srgbClr val="000099"/>
-              </a:buClr>
-              <a:buSzPct val="80000"/>
-              <a:buFont typeface="Wingdings" charset="2"/>
-              <a:buChar char=""/>
-            </a:pPr>
-            <a:r>
-              <a:rPr lang="en-IN" sz="4000" b="0" strike="noStrike" spc="-1" dirty="0">
-                <a:solidFill>
-                  <a:srgbClr val="000000"/>
-                </a:solidFill>
-                <a:latin typeface="Times New Roman"/>
-              </a:rPr>
-              <a:t>USB and Ethernet modules are </a:t>
-            </a:r>
-            <a:r>
-              <a:rPr lang="en-IN" sz="4000" b="0" strike="noStrike" spc="-1" dirty="0" smtClean="0">
-                <a:solidFill>
-                  <a:srgbClr val="000000"/>
-                </a:solidFill>
-                <a:latin typeface="Times New Roman"/>
-              </a:rPr>
-              <a:t>also to be </a:t>
-            </a:r>
-            <a:r>
-              <a:rPr lang="en-IN" sz="4000" b="0" strike="noStrike" spc="-1" dirty="0">
-                <a:solidFill>
-                  <a:srgbClr val="000000"/>
-                </a:solidFill>
-                <a:latin typeface="Times New Roman"/>
-              </a:rPr>
-              <a:t>implemented for interfacing with external devices. </a:t>
-            </a:r>
-            <a:endParaRPr lang="en-IN" sz="4000" b="0" strike="noStrike" spc="-1" dirty="0">
-              <a:latin typeface="Arial"/>
-            </a:endParaRPr>
-          </a:p>
-        </p:txBody>
-      </p:sp>
-      <p:sp>
-        <p:nvSpPr>
-          <p:cNvPr id="52" name="CustomShape 11"/>
+              <a:rPr lang="en-IN" sz="3600" spc="-1">
+                <a:latin typeface="Century Schoolbook"/>
+                <a:cs typeface="Times New Roman"/>
+              </a:rPr>
+              <a:t>Encryption &amp; decryption modules were implemented and tested against the software simulations.</a:t>
+            </a:r>
+            <a:endParaRPr lang="en-US"/>
+          </a:p>
+        </p:txBody>
+      </p:sp>
+      <p:pic>
+        <p:nvPicPr>
+          <p:cNvPr id="59" name="Picture 58" descr="A close up of a piece of paper&#10;&#10;Description generated with high confidence"/>
+          <p:cNvPicPr/>
+          <p:nvPr/>
+        </p:nvPicPr>
+        <p:blipFill>
+          <a:blip r:embed="rId6"/>
+          <a:stretch/>
+        </p:blipFill>
+        <p:spPr>
+          <a:xfrm>
+            <a:off x="22209762" y="13397956"/>
+            <a:ext cx="7067287" cy="5407559"/>
+          </a:xfrm>
+          <a:prstGeom prst="rect">
+            <a:avLst/>
+          </a:prstGeom>
+          <a:ln>
+            <a:noFill/>
+          </a:ln>
+        </p:spPr>
+      </p:pic>
+      <p:pic>
+        <p:nvPicPr>
+          <p:cNvPr id="60" name="Picture 59" descr="A close up of a map&#10;&#10;Description generated with very high confidence"/>
+          <p:cNvPicPr/>
+          <p:nvPr/>
+        </p:nvPicPr>
+        <p:blipFill>
+          <a:blip r:embed="rId7"/>
+          <a:stretch/>
+        </p:blipFill>
+        <p:spPr>
+          <a:xfrm>
+            <a:off x="16074043" y="22991589"/>
+            <a:ext cx="12776206" cy="4937218"/>
+          </a:xfrm>
+          <a:prstGeom prst="rect">
+            <a:avLst/>
+          </a:prstGeom>
+          <a:ln>
+            <a:noFill/>
+          </a:ln>
+        </p:spPr>
+      </p:pic>
+      <p:pic>
+        <p:nvPicPr>
+          <p:cNvPr id="62" name="Picture 61" descr="A screenshot of a computer&#10;&#10;Description generated with very high confidence"/>
+          <p:cNvPicPr/>
+          <p:nvPr/>
+        </p:nvPicPr>
+        <p:blipFill>
+          <a:blip r:embed="rId8"/>
+          <a:stretch/>
+        </p:blipFill>
+        <p:spPr>
+          <a:xfrm>
+            <a:off x="16009092" y="29235851"/>
+            <a:ext cx="12952490" cy="5668749"/>
+          </a:xfrm>
+          <a:prstGeom prst="rect">
+            <a:avLst/>
+          </a:prstGeom>
+          <a:ln>
+            <a:noFill/>
+          </a:ln>
+        </p:spPr>
+      </p:pic>
+      <p:sp>
+        <p:nvSpPr>
+          <p:cNvPr id="64" name="CustomShape 15"/>
           <p:cNvSpPr/>
           <p:nvPr/>
         </p:nvSpPr>
         <p:spPr>
           <a:xfrm>
-            <a:off x="15336000" y="12043939"/>
-            <a:ext cx="13499640" cy="2224742"/>
+            <a:off x="15178063" y="36369985"/>
+            <a:ext cx="13968000" cy="5563301"/>
           </a:xfrm>
           <a:prstGeom prst="rect">
             <a:avLst/>
@@ -3449,13 +4095,10 @@
           <a:fontRef idx="minor"/>
         </p:style>
         <p:txBody>
-          <a:bodyPr lIns="90000" tIns="45000" rIns="90000" bIns="45000"/>
-          <a:lstStyle/>
-          <a:p>
-            <a:pPr marL="723960" indent="-723600" algn="just">
-              <a:lnSpc>
-                <a:spcPct val="100000"/>
-              </a:lnSpc>
+          <a:bodyPr lIns="90000" tIns="45000" rIns="90000" bIns="45000" anchor="t"/>
+          <a:lstStyle/>
+          <a:p>
+            <a:pPr marL="723900" indent="-723265">
               <a:spcBef>
                 <a:spcPts val="799"/>
               </a:spcBef>
@@ -3466,202 +4109,27 @@
                 <a:srgbClr val="000099"/>
               </a:buClr>
               <a:buSzPct val="80000"/>
-              <a:buFont typeface="Wingdings" charset="2"/>
-              <a:buChar char=""/>
+              <a:buFont typeface="Arial" charset="2"/>
+              <a:buChar char="•"/>
             </a:pPr>
             <a:r>
-              <a:rPr lang="en-IN" sz="4000" b="0" strike="noStrike" spc="-1" dirty="0">
-                <a:solidFill>
-                  <a:srgbClr val="000000"/>
-                </a:solidFill>
-                <a:latin typeface="Century Schoolbook" panose="02040604050505020304" pitchFamily="18" charset="0"/>
-              </a:rPr>
-              <a:t>The simulation of multi-pendulum system is based on characteristics such as mass of the bars, moment of inertia, length and damping factors</a:t>
-            </a:r>
-            <a:r>
-              <a:rPr lang="en-IN" sz="4000" b="0" strike="noStrike" spc="-1" dirty="0" smtClean="0">
-                <a:solidFill>
-                  <a:srgbClr val="000000"/>
-                </a:solidFill>
-                <a:latin typeface="Times New Roman"/>
-              </a:rPr>
-              <a:t>.</a:t>
-            </a:r>
-            <a:endParaRPr lang="en-IN" sz="4000" b="0" strike="noStrike" spc="-1" dirty="0">
-              <a:latin typeface="Arial"/>
-            </a:endParaRPr>
-          </a:p>
-        </p:txBody>
-      </p:sp>
-      <p:sp>
-        <p:nvSpPr>
-          <p:cNvPr id="53" name="CustomShape 12"/>
-          <p:cNvSpPr/>
-          <p:nvPr/>
-        </p:nvSpPr>
-        <p:spPr>
-          <a:xfrm>
-            <a:off x="15300720" y="10588893"/>
-            <a:ext cx="13003560" cy="763920"/>
-          </a:xfrm>
-          <a:prstGeom prst="rect">
-            <a:avLst/>
-          </a:prstGeom>
-          <a:noFill/>
-          <a:ln w="25560">
-            <a:noFill/>
-          </a:ln>
-        </p:spPr>
-        <p:style>
-          <a:lnRef idx="0">
-            <a:scrgbClr r="0" g="0" b="0"/>
-          </a:lnRef>
-          <a:fillRef idx="0">
-            <a:scrgbClr r="0" g="0" b="0"/>
-          </a:fillRef>
-          <a:effectRef idx="0">
-            <a:scrgbClr r="0" g="0" b="0"/>
-          </a:effectRef>
-          <a:fontRef idx="minor"/>
-        </p:style>
-        <p:txBody>
-          <a:bodyPr lIns="90000" tIns="45000" rIns="90000" bIns="45000" anchor="ctr"/>
-          <a:lstStyle/>
-          <a:p>
-            <a:pPr>
-              <a:lnSpc>
-                <a:spcPct val="100000"/>
-              </a:lnSpc>
-            </a:pPr>
-            <a:r>
-              <a:rPr lang="en-IN" sz="4400" b="1" strike="noStrike" spc="-1" dirty="0">
-                <a:solidFill>
-                  <a:srgbClr val="000099"/>
-                </a:solidFill>
-                <a:latin typeface="Garamond" panose="02020404030301010803" pitchFamily="18" charset="0"/>
-              </a:rPr>
-              <a:t>4. </a:t>
-            </a:r>
-            <a:r>
-              <a:rPr lang="en-IN" sz="4400" b="1" spc="-1" dirty="0" smtClean="0">
-                <a:solidFill>
-                  <a:srgbClr val="000099"/>
-                </a:solidFill>
-                <a:latin typeface="Garamond" panose="02020404030301010803" pitchFamily="18" charset="0"/>
-              </a:rPr>
-              <a:t>WORK PROGRESS</a:t>
-            </a:r>
-            <a:endParaRPr lang="en-IN" sz="4400" b="0" strike="noStrike" spc="-1" dirty="0">
-              <a:latin typeface="Garamond" panose="02020404030301010803" pitchFamily="18" charset="0"/>
-            </a:endParaRPr>
-          </a:p>
-        </p:txBody>
-      </p:sp>
-      <p:pic>
-        <p:nvPicPr>
-          <p:cNvPr id="54" name="Picture 53"/>
-          <p:cNvPicPr/>
-          <p:nvPr/>
-        </p:nvPicPr>
-        <p:blipFill>
-          <a:blip r:embed="rId3"/>
-          <a:stretch/>
-        </p:blipFill>
-        <p:spPr>
-          <a:xfrm>
-            <a:off x="1377720" y="23571720"/>
-            <a:ext cx="13364640" cy="3212280"/>
-          </a:xfrm>
-          <a:prstGeom prst="rect">
-            <a:avLst/>
-          </a:prstGeom>
-          <a:ln>
-            <a:noFill/>
-          </a:ln>
-        </p:spPr>
-      </p:pic>
-      <p:pic>
-        <p:nvPicPr>
-          <p:cNvPr id="55" name="Picture 54"/>
-          <p:cNvPicPr/>
-          <p:nvPr/>
-        </p:nvPicPr>
-        <p:blipFill>
-          <a:blip r:embed="rId4"/>
-          <a:stretch/>
-        </p:blipFill>
-        <p:spPr>
-          <a:xfrm>
-            <a:off x="3923071" y="26985600"/>
-            <a:ext cx="7875639" cy="5873806"/>
-          </a:xfrm>
-          <a:prstGeom prst="rect">
-            <a:avLst/>
-          </a:prstGeom>
-          <a:ln>
-            <a:noFill/>
-          </a:ln>
-        </p:spPr>
-      </p:pic>
-      <p:pic>
-        <p:nvPicPr>
-          <p:cNvPr id="56" name="Picture 55"/>
-          <p:cNvPicPr/>
-          <p:nvPr/>
-        </p:nvPicPr>
-        <p:blipFill>
-          <a:blip r:embed="rId5"/>
-          <a:stretch/>
-        </p:blipFill>
-        <p:spPr>
-          <a:xfrm>
-            <a:off x="16173859" y="14217893"/>
-            <a:ext cx="5965781" cy="4704677"/>
-          </a:xfrm>
-          <a:prstGeom prst="rect">
-            <a:avLst/>
-          </a:prstGeom>
-          <a:ln>
-            <a:noFill/>
-          </a:ln>
-        </p:spPr>
-      </p:pic>
-      <p:sp>
-        <p:nvSpPr>
-          <p:cNvPr id="57" name="CustomShape 13"/>
-          <p:cNvSpPr/>
-          <p:nvPr/>
-        </p:nvSpPr>
-        <p:spPr>
-          <a:xfrm>
-            <a:off x="15336000" y="19115224"/>
-            <a:ext cx="13499640" cy="3473585"/>
-          </a:xfrm>
-          <a:prstGeom prst="rect">
-            <a:avLst/>
-          </a:prstGeom>
-          <a:noFill/>
-          <a:ln w="9360">
-            <a:noFill/>
-          </a:ln>
-        </p:spPr>
-        <p:style>
-          <a:lnRef idx="0">
-            <a:scrgbClr r="0" g="0" b="0"/>
-          </a:lnRef>
-          <a:fillRef idx="0">
-            <a:scrgbClr r="0" g="0" b="0"/>
-          </a:fillRef>
-          <a:effectRef idx="0">
-            <a:scrgbClr r="0" g="0" b="0"/>
-          </a:effectRef>
-          <a:fontRef idx="minor"/>
-        </p:style>
-        <p:txBody>
-          <a:bodyPr lIns="90000" tIns="45000" rIns="90000" bIns="45000"/>
-          <a:lstStyle/>
-          <a:p>
-            <a:pPr marL="723960" indent="-723600" algn="just">
+              <a:rPr lang="en-IN" sz="3600" spc="-1">
+                <a:solidFill>
+                  <a:srgbClr val="000000"/>
+                </a:solidFill>
+                <a:latin typeface="Century Schoolbook"/>
+              </a:rPr>
+              <a:t>The data from the hardware simulation in Xilinx Vivado matched with that of the software simulations.</a:t>
+            </a:r>
+            <a:endParaRPr lang="en-IN" sz="3600" spc="-1" dirty="0">
+              <a:solidFill>
+                <a:srgbClr val="000000"/>
+              </a:solidFill>
+              <a:latin typeface="Century Schoolbook"/>
+            </a:endParaRPr>
+          </a:p>
+          <a:p>
+            <a:pPr marL="723900" indent="-723265">
               <a:spcBef>
                 <a:spcPts val="799"/>
               </a:spcBef>
@@ -3672,84 +4140,27 @@
                 <a:srgbClr val="000099"/>
               </a:buClr>
               <a:buSzPct val="80000"/>
-              <a:buFont typeface="Wingdings" charset="2"/>
-              <a:buChar char=""/>
+              <a:buFont typeface="Arial" charset="2"/>
+              <a:buChar char="•"/>
             </a:pPr>
             <a:r>
-              <a:rPr lang="en-IN" sz="4000" spc="-1" dirty="0" smtClean="0">
-                <a:solidFill>
-                  <a:srgbClr val="000000"/>
-                </a:solidFill>
-                <a:latin typeface="Times New Roman"/>
-              </a:rPr>
-              <a:t>Basic hardware </a:t>
-            </a:r>
-            <a:r>
-              <a:rPr lang="en-IN" sz="4000" spc="-1" dirty="0">
-                <a:solidFill>
-                  <a:srgbClr val="000000"/>
-                </a:solidFill>
-                <a:latin typeface="Times New Roman"/>
-              </a:rPr>
-              <a:t>implementation </a:t>
-            </a:r>
-            <a:r>
-              <a:rPr lang="en-IN" sz="4000" spc="-1" dirty="0" smtClean="0">
-                <a:solidFill>
-                  <a:srgbClr val="000000"/>
-                </a:solidFill>
-                <a:latin typeface="Times New Roman"/>
-              </a:rPr>
-              <a:t>was carried on the target device, </a:t>
-            </a:r>
-            <a:r>
-              <a:rPr lang="en-IN" sz="4000" spc="-1" dirty="0" err="1" smtClean="0">
-                <a:solidFill>
-                  <a:srgbClr val="000000"/>
-                </a:solidFill>
-                <a:latin typeface="Times New Roman"/>
-              </a:rPr>
-              <a:t>Digilent</a:t>
-            </a:r>
-            <a:r>
-              <a:rPr lang="en-IN" sz="4000" spc="-1" dirty="0" smtClean="0">
-                <a:solidFill>
-                  <a:srgbClr val="000000"/>
-                </a:solidFill>
-                <a:latin typeface="Times New Roman"/>
-              </a:rPr>
-              <a:t> </a:t>
-            </a:r>
-            <a:r>
-              <a:rPr lang="en-IN" sz="4000" spc="-1" dirty="0">
-                <a:solidFill>
-                  <a:srgbClr val="000000"/>
-                </a:solidFill>
-                <a:latin typeface="Times New Roman"/>
-              </a:rPr>
-              <a:t>Nexys4 board, having Xilinx Artix-7 FPGA</a:t>
-            </a:r>
-            <a:r>
-              <a:rPr lang="en-IN" sz="4000" spc="-1" dirty="0" smtClean="0">
-                <a:solidFill>
-                  <a:srgbClr val="000000"/>
-                </a:solidFill>
-                <a:latin typeface="Times New Roman"/>
-              </a:rPr>
-              <a:t>.</a:t>
-            </a:r>
-            <a:endParaRPr lang="en-IN" sz="4000" b="0" strike="noStrike" spc="-1" dirty="0" smtClean="0">
+              <a:rPr lang="en-IN" sz="3600" spc="-1">
+                <a:solidFill>
+                  <a:srgbClr val="000000"/>
+                </a:solidFill>
+                <a:latin typeface="Century Schoolbook"/>
+              </a:rPr>
+              <a:t>The algorithm can be extended for asymmetric key cryptosystems for usage in secure communication.</a:t>
+            </a:r>
+            <a:endParaRPr lang="en-IN" sz="3600" spc="-1" dirty="0">
               <a:solidFill>
                 <a:srgbClr val="000000"/>
               </a:solidFill>
-              <a:latin typeface="Times New Roman"/>
-            </a:endParaRPr>
-          </a:p>
-          <a:p>
-            <a:pPr marL="723960" indent="-723600" algn="just">
-              <a:lnSpc>
-                <a:spcPct val="100000"/>
-              </a:lnSpc>
+              <a:latin typeface="Century Schoolbook"/>
+            </a:endParaRPr>
+          </a:p>
+          <a:p>
+            <a:pPr marL="723900" indent="-723265">
               <a:spcBef>
                 <a:spcPts val="799"/>
               </a:spcBef>
@@ -3760,60 +4171,39 @@
                 <a:srgbClr val="000099"/>
               </a:buClr>
               <a:buSzPct val="80000"/>
-              <a:buFont typeface="Wingdings" charset="2"/>
-              <a:buChar char=""/>
+              <a:buFont typeface="Arial" charset="2"/>
+              <a:buChar char="•"/>
             </a:pPr>
             <a:r>
-              <a:rPr lang="en-IN" sz="4000" b="0" strike="noStrike" spc="-1" dirty="0" smtClean="0">
-                <a:solidFill>
-                  <a:srgbClr val="000000"/>
-                </a:solidFill>
-                <a:latin typeface="Times New Roman"/>
-              </a:rPr>
-              <a:t>Simulation </a:t>
-            </a:r>
-            <a:r>
-              <a:rPr lang="en-IN" sz="4000" b="0" strike="noStrike" spc="-1" dirty="0">
-                <a:solidFill>
-                  <a:srgbClr val="000000"/>
-                </a:solidFill>
-                <a:latin typeface="Times New Roman"/>
-              </a:rPr>
-              <a:t>of the system yields the chaotic map shown below. The </a:t>
-            </a:r>
-            <a:r>
-              <a:rPr lang="en-IN" sz="4000" b="0" strike="noStrike" spc="-1" dirty="0" err="1">
-                <a:solidFill>
-                  <a:srgbClr val="000000"/>
-                </a:solidFill>
-                <a:latin typeface="Times New Roman"/>
-              </a:rPr>
-              <a:t>periodogram</a:t>
-            </a:r>
-            <a:r>
-              <a:rPr lang="en-IN" sz="4000" b="0" strike="noStrike" spc="-1" dirty="0">
-                <a:solidFill>
-                  <a:srgbClr val="000000"/>
-                </a:solidFill>
-                <a:latin typeface="Times New Roman"/>
-              </a:rPr>
-              <a:t> plot of the motion shows the highly aperiodic nature of the system</a:t>
-            </a:r>
-            <a:r>
-              <a:rPr lang="en-IN" sz="4000" b="0" strike="noStrike" spc="-1" dirty="0" smtClean="0">
-                <a:solidFill>
-                  <a:srgbClr val="000000"/>
-                </a:solidFill>
-                <a:latin typeface="Times New Roman"/>
-              </a:rPr>
-              <a:t>.</a:t>
-            </a:r>
-          </a:p>
-          <a:p>
-            <a:pPr marL="723960" indent="-723600" algn="just">
-              <a:lnSpc>
-                <a:spcPct val="100000"/>
-              </a:lnSpc>
+              <a:rPr lang="en-IN" sz="3600" spc="-1">
+                <a:solidFill>
+                  <a:srgbClr val="000000"/>
+                </a:solidFill>
+                <a:latin typeface="Century Schoolbook"/>
+              </a:rPr>
+              <a:t>The hardware</a:t>
+            </a:r>
+            <a:r>
+              <a:rPr lang="en-IN" sz="3600" b="0" strike="noStrike" spc="-1">
+                <a:solidFill>
+                  <a:srgbClr val="000000"/>
+                </a:solidFill>
+                <a:latin typeface="Century Schoolbook"/>
+              </a:rPr>
+              <a:t> implementation </a:t>
+            </a:r>
+            <a:r>
+              <a:rPr lang="en-IN" sz="3600" spc="-1">
+                <a:solidFill>
+                  <a:srgbClr val="000000"/>
+                </a:solidFill>
+                <a:latin typeface="Century Schoolbook"/>
+              </a:rPr>
+              <a:t>can be further optimized by efficient caching of the values generated.</a:t>
+            </a:r>
+          </a:p>
+          <a:p>
+            <a:pPr marL="723900" indent="-723265">
               <a:spcBef>
                 <a:spcPts val="799"/>
               </a:spcBef>
@@ -3824,398 +4214,102 @@
                 <a:srgbClr val="000099"/>
               </a:buClr>
               <a:buSzPct val="80000"/>
-              <a:buFont typeface="Wingdings" charset="2"/>
-              <a:buChar char=""/>
+              <a:buFont typeface="Arial" charset="2"/>
+              <a:buChar char="•"/>
             </a:pPr>
-            <a:endParaRPr lang="en-IN" sz="4000" b="0" strike="noStrike" spc="-1" dirty="0">
-              <a:latin typeface="Arial"/>
-            </a:endParaRPr>
-          </a:p>
-        </p:txBody>
-      </p:sp>
-      <p:sp>
-        <p:nvSpPr>
-          <p:cNvPr id="58" name="CustomShape 14"/>
-          <p:cNvSpPr/>
+            <a:r>
+              <a:rPr lang="en-IN" sz="3600" spc="-1">
+                <a:latin typeface="Century Schoolbook"/>
+              </a:rPr>
+              <a:t>Through a number of analysis, we conclude that this cryptosystem can provide the desired level of chaos and security against quantum crypto-attacks.</a:t>
+            </a:r>
+            <a:endParaRPr lang="en-IN" sz="3600" b="0" strike="noStrike" spc="-1" dirty="0">
+              <a:latin typeface="Century Schoolbook"/>
+            </a:endParaRPr>
+          </a:p>
+        </p:txBody>
+      </p:sp>
+      <p:sp>
+        <p:nvSpPr>
+          <p:cNvPr id="9" name="TextBox 8">
+            <a:extLst>
+              <a:ext uri="{FF2B5EF4-FFF2-40B4-BE49-F238E27FC236}">
+                <a16:creationId xmlns:a16="http://schemas.microsoft.com/office/drawing/2014/main" id="{FF6EBB52-C378-48CF-BFBF-B476C574F7BB}"/>
+              </a:ext>
+            </a:extLst>
+          </p:cNvPr>
+          <p:cNvSpPr txBox="1"/>
           <p:nvPr/>
         </p:nvSpPr>
         <p:spPr>
           <a:xfrm>
-            <a:off x="15155640" y="32150562"/>
-            <a:ext cx="13499640" cy="2750056"/>
+            <a:off x="1342942" y="39071120"/>
+            <a:ext cx="12567369" cy="2862322"/>
           </a:xfrm>
           <a:prstGeom prst="rect">
             <a:avLst/>
           </a:prstGeom>
           <a:noFill/>
-          <a:ln w="9360">
-            <a:noFill/>
-          </a:ln>
-        </p:spPr>
-        <p:style>
-          <a:lnRef idx="0">
-            <a:scrgbClr r="0" g="0" b="0"/>
-          </a:lnRef>
-          <a:fillRef idx="0">
-            <a:scrgbClr r="0" g="0" b="0"/>
-          </a:fillRef>
-          <a:effectRef idx="0">
-            <a:scrgbClr r="0" g="0" b="0"/>
-          </a:effectRef>
-          <a:fontRef idx="minor"/>
-        </p:style>
-        <p:txBody>
-          <a:bodyPr lIns="90000" tIns="45000" rIns="90000" bIns="45000"/>
-          <a:lstStyle/>
-          <a:p>
-            <a:pPr marL="723960" indent="-723600" algn="just">
-              <a:lnSpc>
-                <a:spcPct val="100000"/>
-              </a:lnSpc>
-              <a:spcBef>
-                <a:spcPts val="799"/>
-              </a:spcBef>
-              <a:spcAft>
-                <a:spcPts val="799"/>
-              </a:spcAft>
-              <a:buClr>
-                <a:srgbClr val="000099"/>
-              </a:buClr>
-              <a:buSzPct val="80000"/>
-              <a:buFont typeface="Wingdings" charset="2"/>
-              <a:buChar char=""/>
-            </a:pPr>
-            <a:r>
-              <a:rPr lang="en-IN" sz="4000" b="0" strike="noStrike" spc="-1" dirty="0">
-                <a:solidFill>
-                  <a:srgbClr val="000000"/>
-                </a:solidFill>
-                <a:latin typeface="Times New Roman"/>
-              </a:rPr>
-              <a:t>Necessary statistical analysis is performed for generation of valid keys. </a:t>
-            </a:r>
-            <a:endParaRPr lang="en-IN" sz="4000" b="0" strike="noStrike" spc="-1" dirty="0">
-              <a:latin typeface="Arial"/>
-            </a:endParaRPr>
-          </a:p>
-          <a:p>
-            <a:pPr marL="723960" indent="-723600" algn="just">
-              <a:lnSpc>
-                <a:spcPct val="100000"/>
-              </a:lnSpc>
-              <a:spcBef>
-                <a:spcPts val="799"/>
-              </a:spcBef>
-              <a:spcAft>
-                <a:spcPts val="799"/>
-              </a:spcAft>
-              <a:buClr>
-                <a:srgbClr val="000099"/>
-              </a:buClr>
-              <a:buSzPct val="80000"/>
-              <a:buFont typeface="Wingdings" charset="2"/>
-              <a:buChar char=""/>
-            </a:pPr>
-            <a:r>
-              <a:rPr lang="en-IN" sz="4000" b="0" strike="noStrike" spc="-1" dirty="0" smtClean="0">
-                <a:latin typeface="Times New Roman" panose="02020603050405020304" pitchFamily="18" charset="0"/>
-                <a:cs typeface="Times New Roman" panose="02020603050405020304" pitchFamily="18" charset="0"/>
-              </a:rPr>
-              <a:t>The keys and the mapped values are stored in Loop Up Tables in the FPGA for fast encryption and decryption.</a:t>
-            </a:r>
-            <a:endParaRPr lang="en-IN" sz="4000" b="0" strike="noStrike" spc="-1" dirty="0">
-              <a:latin typeface="Times New Roman" panose="02020603050405020304" pitchFamily="18" charset="0"/>
-              <a:cs typeface="Times New Roman" panose="02020603050405020304" pitchFamily="18" charset="0"/>
-            </a:endParaRPr>
-          </a:p>
-        </p:txBody>
-      </p:sp>
-      <p:pic>
-        <p:nvPicPr>
-          <p:cNvPr id="59" name="Picture 58"/>
-          <p:cNvPicPr/>
-          <p:nvPr/>
-        </p:nvPicPr>
-        <p:blipFill>
-          <a:blip r:embed="rId6"/>
-          <a:stretch/>
-        </p:blipFill>
-        <p:spPr>
-          <a:xfrm>
-            <a:off x="23308798" y="13936099"/>
-            <a:ext cx="4757040" cy="4466160"/>
-          </a:xfrm>
-          <a:prstGeom prst="rect">
-            <a:avLst/>
-          </a:prstGeom>
-          <a:ln>
-            <a:noFill/>
-          </a:ln>
-        </p:spPr>
-      </p:pic>
-      <p:pic>
-        <p:nvPicPr>
-          <p:cNvPr id="60" name="Picture 59"/>
-          <p:cNvPicPr/>
-          <p:nvPr/>
-        </p:nvPicPr>
-        <p:blipFill>
-          <a:blip r:embed="rId7"/>
-          <a:stretch/>
-        </p:blipFill>
-        <p:spPr>
-          <a:xfrm>
-            <a:off x="15762239" y="22812099"/>
-            <a:ext cx="6446637" cy="4555800"/>
-          </a:xfrm>
-          <a:prstGeom prst="rect">
-            <a:avLst/>
-          </a:prstGeom>
-          <a:ln>
-            <a:noFill/>
-          </a:ln>
-        </p:spPr>
-      </p:pic>
-      <p:pic>
-        <p:nvPicPr>
-          <p:cNvPr id="61" name="Picture 60"/>
-          <p:cNvPicPr/>
-          <p:nvPr/>
-        </p:nvPicPr>
-        <p:blipFill>
-          <a:blip r:embed="rId8"/>
-          <a:stretch/>
-        </p:blipFill>
-        <p:spPr>
-          <a:xfrm>
-            <a:off x="22624026" y="22706044"/>
-            <a:ext cx="6038094" cy="4674240"/>
-          </a:xfrm>
-          <a:prstGeom prst="rect">
-            <a:avLst/>
-          </a:prstGeom>
-          <a:ln>
-            <a:noFill/>
-          </a:ln>
-        </p:spPr>
-      </p:pic>
-      <p:pic>
-        <p:nvPicPr>
-          <p:cNvPr id="62" name="Picture 61"/>
-          <p:cNvPicPr/>
-          <p:nvPr/>
-        </p:nvPicPr>
-        <p:blipFill>
-          <a:blip r:embed="rId9"/>
-          <a:stretch/>
-        </p:blipFill>
-        <p:spPr>
-          <a:xfrm>
-            <a:off x="15762239" y="27497520"/>
-            <a:ext cx="5976883" cy="4434480"/>
-          </a:xfrm>
-          <a:prstGeom prst="rect">
-            <a:avLst/>
-          </a:prstGeom>
-          <a:ln>
-            <a:noFill/>
-          </a:ln>
-        </p:spPr>
-      </p:pic>
-      <p:pic>
-        <p:nvPicPr>
-          <p:cNvPr id="63" name="Picture 62"/>
-          <p:cNvPicPr/>
-          <p:nvPr/>
-        </p:nvPicPr>
-        <p:blipFill>
-          <a:blip r:embed="rId10"/>
-          <a:stretch/>
-        </p:blipFill>
-        <p:spPr>
-          <a:xfrm>
-            <a:off x="22646636" y="27435352"/>
-            <a:ext cx="6015484" cy="4572665"/>
-          </a:xfrm>
-          <a:prstGeom prst="rect">
-            <a:avLst/>
-          </a:prstGeom>
-          <a:ln>
-            <a:noFill/>
-          </a:ln>
-        </p:spPr>
-      </p:pic>
-      <p:sp>
-        <p:nvSpPr>
-          <p:cNvPr id="64" name="CustomShape 15"/>
-          <p:cNvSpPr/>
-          <p:nvPr/>
-        </p:nvSpPr>
-        <p:spPr>
-          <a:xfrm>
-            <a:off x="15155640" y="36123259"/>
-            <a:ext cx="13968000" cy="5563301"/>
-          </a:xfrm>
-          <a:prstGeom prst="rect">
-            <a:avLst/>
-          </a:prstGeom>
-          <a:noFill/>
-          <a:ln w="9360">
-            <a:noFill/>
-          </a:ln>
-        </p:spPr>
-        <p:style>
-          <a:lnRef idx="0">
-            <a:scrgbClr r="0" g="0" b="0"/>
-          </a:lnRef>
-          <a:fillRef idx="0">
-            <a:scrgbClr r="0" g="0" b="0"/>
-          </a:fillRef>
-          <a:effectRef idx="0">
-            <a:scrgbClr r="0" g="0" b="0"/>
-          </a:effectRef>
-          <a:fontRef idx="minor"/>
-        </p:style>
-        <p:txBody>
-          <a:bodyPr lIns="90000" tIns="45000" rIns="90000" bIns="45000"/>
-          <a:lstStyle/>
-          <a:p>
-            <a:pPr marL="723960" indent="-723600" algn="just">
-              <a:lnSpc>
-                <a:spcPct val="100000"/>
-              </a:lnSpc>
-              <a:spcBef>
-                <a:spcPts val="799"/>
-              </a:spcBef>
-              <a:spcAft>
-                <a:spcPts val="799"/>
-              </a:spcAft>
-              <a:buClr>
-                <a:srgbClr val="000099"/>
-              </a:buClr>
-              <a:buSzPct val="80000"/>
-              <a:buFont typeface="Wingdings" charset="2"/>
-              <a:buChar char=""/>
-            </a:pPr>
-            <a:r>
-              <a:rPr lang="en-IN" sz="4000" b="0" strike="noStrike" spc="-1" dirty="0">
-                <a:solidFill>
-                  <a:srgbClr val="000000"/>
-                </a:solidFill>
-                <a:latin typeface="Times New Roman"/>
-              </a:rPr>
-              <a:t>Through a number of simulations, we can conclude that this cryptosystem can provide the desired level of chaos and security.</a:t>
-            </a:r>
-            <a:endParaRPr lang="en-IN" sz="4000" b="0" strike="noStrike" spc="-1" dirty="0">
-              <a:latin typeface="Arial"/>
-            </a:endParaRPr>
-          </a:p>
-          <a:p>
-            <a:pPr marL="723960" indent="-723600" algn="just">
-              <a:lnSpc>
-                <a:spcPct val="100000"/>
-              </a:lnSpc>
-              <a:spcBef>
-                <a:spcPts val="799"/>
-              </a:spcBef>
-              <a:spcAft>
-                <a:spcPts val="799"/>
-              </a:spcAft>
-              <a:buClr>
-                <a:srgbClr val="000099"/>
-              </a:buClr>
-              <a:buSzPct val="80000"/>
-              <a:buFont typeface="Wingdings" charset="2"/>
-              <a:buChar char=""/>
-            </a:pPr>
-            <a:r>
-              <a:rPr lang="en-IN" sz="4000" b="0" strike="noStrike" spc="-1" dirty="0">
-                <a:solidFill>
-                  <a:srgbClr val="000000"/>
-                </a:solidFill>
-                <a:latin typeface="Times New Roman"/>
-              </a:rPr>
-              <a:t>Moreover, this cryptosystem also </a:t>
-            </a:r>
-            <a:r>
-              <a:rPr lang="en-IN" sz="4000" b="0" strike="noStrike" spc="-1" dirty="0" smtClean="0">
-                <a:solidFill>
-                  <a:srgbClr val="000000"/>
-                </a:solidFill>
-                <a:latin typeface="Times New Roman"/>
-              </a:rPr>
-              <a:t>fulfils </a:t>
-            </a:r>
-            <a:r>
-              <a:rPr lang="en-IN" sz="4000" b="0" strike="noStrike" spc="-1" dirty="0">
-                <a:solidFill>
-                  <a:srgbClr val="000000"/>
-                </a:solidFill>
-                <a:latin typeface="Times New Roman"/>
-              </a:rPr>
-              <a:t>the basic requirements defined by Shannon including diffusion and confusion.</a:t>
-            </a:r>
-            <a:endParaRPr lang="en-IN" sz="4000" b="0" strike="noStrike" spc="-1" dirty="0">
-              <a:latin typeface="Arial"/>
-            </a:endParaRPr>
-          </a:p>
-          <a:p>
-            <a:pPr marL="723960" indent="-723600" algn="just">
-              <a:lnSpc>
-                <a:spcPct val="100000"/>
-              </a:lnSpc>
-              <a:spcBef>
-                <a:spcPts val="799"/>
-              </a:spcBef>
-              <a:spcAft>
-                <a:spcPts val="799"/>
-              </a:spcAft>
-              <a:buClr>
-                <a:srgbClr val="000099"/>
-              </a:buClr>
-              <a:buSzPct val="80000"/>
-              <a:buFont typeface="Wingdings" charset="2"/>
-              <a:buChar char=""/>
-            </a:pPr>
-            <a:r>
-              <a:rPr lang="en-IN" sz="4000" b="0" strike="noStrike" spc="-1" dirty="0">
-                <a:solidFill>
-                  <a:srgbClr val="000000"/>
-                </a:solidFill>
-                <a:latin typeface="Times New Roman"/>
-              </a:rPr>
-              <a:t>We plan to </a:t>
-            </a:r>
-            <a:r>
-              <a:rPr lang="en-IN" sz="4000" b="0" strike="noStrike" spc="-1" dirty="0" smtClean="0">
-                <a:solidFill>
-                  <a:srgbClr val="000000"/>
-                </a:solidFill>
-                <a:latin typeface="Times New Roman"/>
-              </a:rPr>
-              <a:t>optimize </a:t>
-            </a:r>
-            <a:r>
-              <a:rPr lang="en-IN" sz="4000" b="0" strike="noStrike" spc="-1" dirty="0">
-                <a:solidFill>
-                  <a:srgbClr val="000000"/>
-                </a:solidFill>
-                <a:latin typeface="Times New Roman"/>
-              </a:rPr>
-              <a:t>the hardware implementation of the cryptosystem and measure the performance of the algorithm under various precision constraints and estimate the error rate</a:t>
-            </a:r>
-            <a:r>
-              <a:rPr lang="en-IN" sz="4000" b="0" strike="noStrike" spc="-1" dirty="0" smtClean="0">
-                <a:solidFill>
-                  <a:srgbClr val="000000"/>
-                </a:solidFill>
-                <a:latin typeface="Times New Roman"/>
-              </a:rPr>
-              <a:t>.</a:t>
-            </a:r>
-            <a:endParaRPr lang="en-IN" sz="4000" b="0" strike="noStrike" spc="-1" dirty="0">
-              <a:latin typeface="Arial"/>
-            </a:endParaRPr>
+        </p:spPr>
+        <p:txBody>
+          <a:bodyPr rot="0" spcFirstLastPara="0" vertOverflow="overflow" horzOverflow="overflow" vert="horz" wrap="square" lIns="91440" tIns="45720" rIns="91440" bIns="45720" numCol="1" spcCol="0" rtlCol="0" fromWordArt="0" anchor="t" anchorCtr="0" forceAA="0" compatLnSpc="1">
+            <a:prstTxWarp prst="textNoShape">
+              <a:avLst/>
+            </a:prstTxWarp>
+            <a:spAutoFit/>
+          </a:bodyPr>
+          <a:lstStyle/>
+          <a:p>
+            <a:r>
+              <a:rPr lang="en-US" sz="3600" i="1">
+                <a:latin typeface="Century Schoolbook"/>
+              </a:rPr>
+              <a:t>ALU </a:t>
+            </a:r>
+            <a:r>
+              <a:rPr lang="en-US" sz="3600">
+                <a:latin typeface="Century Schoolbook"/>
+              </a:rPr>
+              <a:t>: It consists of addition, multiplication, division &amp; exponentiation modules.</a:t>
+            </a:r>
+            <a:endParaRPr lang="en-US" sz="3600" dirty="0">
+              <a:latin typeface="Century Schoolbook"/>
+            </a:endParaRPr>
+          </a:p>
+          <a:p>
+            <a:r>
+              <a:rPr lang="en-US" sz="3600" i="1" dirty="0">
+                <a:latin typeface="Century Schoolbook"/>
+              </a:rPr>
+              <a:t>Control Unit</a:t>
+            </a:r>
+            <a:r>
+              <a:rPr lang="en-US" sz="3600" dirty="0">
+                <a:latin typeface="Century Schoolbook"/>
+              </a:rPr>
+              <a:t> : It consists of FSMs like postfix expression </a:t>
+            </a:r>
+            <a:r>
+              <a:rPr lang="en-US" sz="3600">
+                <a:latin typeface="Century Schoolbook"/>
+              </a:rPr>
+              <a:t>evaluator, state space value calculator, top-level FSM etc.</a:t>
+            </a:r>
+          </a:p>
+          <a:p>
+            <a:r>
+              <a:rPr lang="en-US" sz="3600" i="1">
+                <a:latin typeface="Century Schoolbook"/>
+              </a:rPr>
+              <a:t>LUT </a:t>
+            </a:r>
+            <a:r>
+              <a:rPr lang="en-US" sz="3600">
+                <a:latin typeface="Century Schoolbook"/>
+              </a:rPr>
+              <a:t>: Stores state variable values and other constants.</a:t>
+            </a:r>
+            <a:endParaRPr lang="en-US"/>
           </a:p>
         </p:txBody>
       </p:sp>

--- a/report/BTP_Poster.pptx
+++ b/report/BTP_Poster.pptx
@@ -116,6 +116,7 @@
 <p1510:revInfo xmlns:a="http://schemas.openxmlformats.org/drawingml/2006/main" xmlns:r="http://schemas.openxmlformats.org/officeDocument/2006/relationships" xmlns:p1510="http://schemas.microsoft.com/office/powerpoint/2015/10/main">
   <p1510:revLst>
     <p1510:client id="{F91239B3-7901-6CEB-1A5D-8E988E8B879C}" v="65" dt="2019-04-24T19:14:11.355"/>
+    <p1510:client id="{6B0C791F-849F-5AD4-B414-B41D19551A67}" v="47" dt="2019-04-25T09:00:00.950"/>
   </p1510:revLst>
 </p1510:revInfo>
 </file>
@@ -1676,7 +1677,7 @@
                 </a:solidFill>
                 <a:latin typeface="Arial"/>
               </a:rPr>
-              <a:t>24-04-2019</a:t>
+              <a:t>25-04-2019</a:t>
             </a:fld>
             <a:endParaRPr lang="en-IN" sz="5500" b="0" strike="noStrike" spc="-1">
               <a:latin typeface="Times New Roman"/>
@@ -2290,14 +2291,213 @@
       </p:grpSpPr>
       <p:sp>
         <p:nvSpPr>
+          <p:cNvPr id="44" name="CustomShape 4"/>
+          <p:cNvSpPr/>
+          <p:nvPr/>
+        </p:nvSpPr>
+        <p:spPr>
+          <a:xfrm>
+            <a:off x="1111374" y="7517142"/>
+            <a:ext cx="28439351" cy="2472542"/>
+          </a:xfrm>
+          <a:prstGeom prst="rect">
+            <a:avLst/>
+          </a:prstGeom>
+          <a:ln/>
+        </p:spPr>
+        <p:style>
+          <a:lnRef idx="1">
+            <a:schemeClr val="accent6"/>
+          </a:lnRef>
+          <a:fillRef idx="2">
+            <a:schemeClr val="accent6"/>
+          </a:fillRef>
+          <a:effectRef idx="1">
+            <a:schemeClr val="accent6"/>
+          </a:effectRef>
+          <a:fontRef idx="minor">
+            <a:schemeClr val="dk1"/>
+          </a:fontRef>
+        </p:style>
+        <p:txBody>
+          <a:bodyPr lIns="90000" tIns="45000" rIns="90000" bIns="45000" anchor="t"/>
+          <a:lstStyle/>
+          <a:p>
+            <a:r>
+              <a:rPr lang="en-IN" sz="4800" b="1" strike="noStrike" spc="-1" dirty="0">
+                <a:solidFill>
+                  <a:srgbClr val="C00000"/>
+                </a:solidFill>
+                <a:latin typeface="Garamond"/>
+              </a:rPr>
+              <a:t>Abstract:</a:t>
+            </a:r>
+            <a:r>
+              <a:rPr lang="en-IN" sz="4800" b="0" strike="noStrike" spc="-1" dirty="0">
+                <a:solidFill>
+                  <a:srgbClr val="000000"/>
+                </a:solidFill>
+                <a:latin typeface="Garamond"/>
+              </a:rPr>
+              <a:t> </a:t>
+            </a:r>
+            <a:r>
+              <a:rPr lang="en-IN" sz="4400" i="1" strike="noStrike" spc="-1" dirty="0">
+                <a:solidFill>
+                  <a:srgbClr val="000000"/>
+                </a:solidFill>
+                <a:latin typeface="Dante"/>
+              </a:rPr>
+              <a:t>This project aims at designing a chaos-based cryptographic system that is immune against attacks by both quantum and classical computers. The encryption-decryption scheme proposed here is based on </a:t>
+            </a:r>
+            <a:r>
+              <a:rPr lang="en-IN" sz="4400" i="1" spc="-1" dirty="0">
+                <a:solidFill>
+                  <a:srgbClr val="000000"/>
+                </a:solidFill>
+                <a:latin typeface="Dante"/>
+              </a:rPr>
+              <a:t>chaotic</a:t>
+            </a:r>
+            <a:r>
+              <a:rPr lang="en-IN" sz="4400" i="1" strike="noStrike" spc="-1" dirty="0">
+                <a:solidFill>
+                  <a:srgbClr val="000000"/>
+                </a:solidFill>
+                <a:latin typeface="Dante"/>
+              </a:rPr>
+              <a:t> map </a:t>
+            </a:r>
+            <a:r>
+              <a:rPr lang="en-IN" sz="4400" i="1" spc="-1" dirty="0">
+                <a:solidFill>
+                  <a:srgbClr val="000000"/>
+                </a:solidFill>
+                <a:latin typeface="Dante"/>
+              </a:rPr>
+              <a:t>generated</a:t>
+            </a:r>
+            <a:r>
+              <a:rPr lang="en-IN" sz="4400" i="1" strike="noStrike" spc="-1" dirty="0">
+                <a:solidFill>
+                  <a:srgbClr val="000000"/>
+                </a:solidFill>
+                <a:latin typeface="Dante"/>
+              </a:rPr>
+              <a:t> from </a:t>
+            </a:r>
+            <a:r>
+              <a:rPr lang="en-IN" sz="4400" i="1" spc="-1" dirty="0">
+                <a:solidFill>
+                  <a:srgbClr val="000000"/>
+                </a:solidFill>
+                <a:latin typeface="Dante"/>
+              </a:rPr>
+              <a:t>model of nonlinear</a:t>
+            </a:r>
+            <a:r>
+              <a:rPr lang="en-IN" sz="4400" i="1" strike="noStrike" spc="-1" dirty="0">
+                <a:solidFill>
+                  <a:srgbClr val="000000"/>
+                </a:solidFill>
+                <a:latin typeface="Dante"/>
+              </a:rPr>
+              <a:t> dynamic system. Further,</a:t>
+            </a:r>
+            <a:r>
+              <a:rPr lang="en-IN" sz="4400" i="1" spc="-1" dirty="0">
+                <a:solidFill>
+                  <a:srgbClr val="000000"/>
+                </a:solidFill>
+                <a:latin typeface="Dante"/>
+              </a:rPr>
+              <a:t> we present the hardware implementation of the proposed method on </a:t>
+            </a:r>
+            <a:r>
+              <a:rPr lang="en-IN" sz="4400" i="1" spc="-1" dirty="0" err="1">
+                <a:solidFill>
+                  <a:srgbClr val="000000"/>
+                </a:solidFill>
+                <a:latin typeface="Dante"/>
+              </a:rPr>
+              <a:t>Artix</a:t>
+            </a:r>
+            <a:r>
+              <a:rPr lang="en-IN" sz="4400" i="1" spc="-1" dirty="0">
+                <a:solidFill>
+                  <a:srgbClr val="000000"/>
+                </a:solidFill>
+                <a:latin typeface="Dante"/>
+              </a:rPr>
+              <a:t> FPGA platform.</a:t>
+            </a:r>
+            <a:endParaRPr lang="en-IN" sz="4400" i="1" strike="noStrike" spc="-1" dirty="0">
+              <a:latin typeface="Dante"/>
+            </a:endParaRPr>
+          </a:p>
+        </p:txBody>
+      </p:sp>
+      <p:sp>
+        <p:nvSpPr>
+          <p:cNvPr id="11" name="Rectangle 10">
+            <a:extLst>
+              <a:ext uri="{FF2B5EF4-FFF2-40B4-BE49-F238E27FC236}">
+                <a16:creationId xmlns:a16="http://schemas.microsoft.com/office/drawing/2014/main" id="{2932E258-96C4-4DF9-8520-62C180A9E97B}"/>
+              </a:ext>
+            </a:extLst>
+          </p:cNvPr>
+          <p:cNvSpPr/>
+          <p:nvPr/>
+        </p:nvSpPr>
+        <p:spPr>
+          <a:xfrm>
+            <a:off x="1104351" y="9995139"/>
+            <a:ext cx="28432528" cy="32127972"/>
+          </a:xfrm>
+          <a:prstGeom prst="rect">
+            <a:avLst/>
+          </a:prstGeom>
+          <a:solidFill>
+            <a:schemeClr val="accent2">
+              <a:lumMod val="20000"/>
+              <a:lumOff val="80000"/>
+            </a:schemeClr>
+          </a:solidFill>
+        </p:spPr>
+        <p:style>
+          <a:lnRef idx="2">
+            <a:schemeClr val="accent1">
+              <a:shade val="50000"/>
+            </a:schemeClr>
+          </a:lnRef>
+          <a:fillRef idx="1">
+            <a:schemeClr val="accent1"/>
+          </a:fillRef>
+          <a:effectRef idx="0">
+            <a:schemeClr val="accent1"/>
+          </a:effectRef>
+          <a:fontRef idx="minor">
+            <a:schemeClr val="lt1"/>
+          </a:fontRef>
+        </p:style>
+        <p:txBody>
+          <a:bodyPr rtlCol="0" anchor="ctr"/>
+          <a:lstStyle/>
+          <a:p>
+            <a:endParaRPr lang="en-US" dirty="0"/>
+          </a:p>
+        </p:txBody>
+      </p:sp>
+      <p:sp>
+        <p:nvSpPr>
           <p:cNvPr id="41" name="CustomShape 1"/>
           <p:cNvSpPr/>
           <p:nvPr/>
         </p:nvSpPr>
         <p:spPr>
           <a:xfrm>
-            <a:off x="38160" y="2131920"/>
-            <a:ext cx="30279600" cy="2771640"/>
+            <a:off x="2231778" y="2218512"/>
+            <a:ext cx="24997202" cy="2771640"/>
           </a:xfrm>
           <a:prstGeom prst="rect">
             <a:avLst/>
@@ -2320,44 +2520,66 @@
           <a:fontRef idx="minor"/>
         </p:style>
         <p:txBody>
-          <a:bodyPr lIns="90000" tIns="45000" rIns="90000" bIns="45000"/>
-          <a:lstStyle/>
-          <a:p>
-            <a:pPr algn="ctr">
-              <a:lnSpc>
-                <a:spcPct val="100000"/>
-              </a:lnSpc>
-            </a:pPr>
+          <a:bodyPr lIns="90000" tIns="45000" rIns="90000" bIns="45000" anchor="t"/>
+          <a:lstStyle/>
+          <a:p>
+            <a:pPr algn="ctr"/>
             <a:r>
               <a:rPr lang="en-IN" sz="8800" b="1" strike="noStrike" spc="-1" dirty="0">
                 <a:solidFill>
                   <a:srgbClr val="C00000"/>
                 </a:solidFill>
-                <a:latin typeface="Garamond" panose="02020404030301010803" pitchFamily="18" charset="0"/>
-              </a:rPr>
-              <a:t>Design &amp; Implementation of Quantum Computing </a:t>
-            </a:r>
-            <a:endParaRPr lang="en-IN" sz="8800" b="0" strike="noStrike" spc="-1" dirty="0">
-              <a:latin typeface="Garamond" panose="02020404030301010803" pitchFamily="18" charset="0"/>
-            </a:endParaRPr>
-          </a:p>
-          <a:p>
-            <a:pPr algn="ctr">
-              <a:lnSpc>
-                <a:spcPct val="100000"/>
-              </a:lnSpc>
-            </a:pPr>
+                <a:latin typeface="Garamond"/>
+              </a:rPr>
+              <a:t>Design &amp; Implementation of</a:t>
+            </a:r>
+            <a:r>
+              <a:rPr lang="en-IN" sz="8800" b="1" spc="-1" dirty="0">
+                <a:solidFill>
+                  <a:srgbClr val="C00000"/>
+                </a:solidFill>
+                <a:latin typeface="Garamond"/>
+              </a:rPr>
+              <a:t> </a:t>
+            </a:r>
             <a:r>
               <a:rPr lang="en-IN" sz="8800" b="1" strike="noStrike" spc="-1" dirty="0">
                 <a:solidFill>
                   <a:srgbClr val="C00000"/>
                 </a:solidFill>
-                <a:latin typeface="Garamond" panose="02020404030301010803" pitchFamily="18" charset="0"/>
+                <a:latin typeface="Garamond"/>
+              </a:rPr>
+              <a:t>Quantum Computing</a:t>
+            </a:r>
+            <a:r>
+              <a:rPr lang="en-IN" sz="8800" b="1" spc="-1" dirty="0">
+                <a:solidFill>
+                  <a:srgbClr val="C00000"/>
+                </a:solidFill>
+                <a:latin typeface="Garamond"/>
+              </a:rPr>
+              <a:t> </a:t>
+            </a:r>
+            <a:endParaRPr lang="en-IN" sz="8800" spc="-1" dirty="0">
+              <a:solidFill>
+                <a:srgbClr val="000000"/>
+              </a:solidFill>
+              <a:latin typeface="Garamond"/>
+            </a:endParaRPr>
+          </a:p>
+          <a:p>
+            <a:pPr algn="ctr"/>
+            <a:r>
+              <a:rPr lang="en-IN" sz="8800" b="1" strike="noStrike" spc="-1" dirty="0">
+                <a:solidFill>
+                  <a:srgbClr val="C00000"/>
+                </a:solidFill>
+                <a:latin typeface="Garamond"/>
               </a:rPr>
               <a:t>Immune Cryptography Processor</a:t>
             </a:r>
-            <a:endParaRPr lang="en-IN" sz="8800" b="0" strike="noStrike" spc="-1" dirty="0">
-              <a:latin typeface="Garamond" panose="02020404030301010803" pitchFamily="18" charset="0"/>
+            <a:endParaRPr lang="en-IN" sz="8800" b="0" strike="noStrike" spc="-1">
+              <a:latin typeface="Garamond"/>
             </a:endParaRPr>
           </a:p>
         </p:txBody>
@@ -2370,8 +2592,8 @@
         </p:nvSpPr>
         <p:spPr>
           <a:xfrm>
-            <a:off x="82800" y="4994280"/>
-            <a:ext cx="30279600" cy="1583280"/>
+            <a:off x="1093085" y="5167464"/>
+            <a:ext cx="26238424" cy="919358"/>
           </a:xfrm>
           <a:prstGeom prst="rect">
             <a:avLst/>
@@ -2394,14 +2616,10 @@
           <a:fontRef idx="minor"/>
         </p:style>
         <p:txBody>
-          <a:bodyPr lIns="90000" tIns="45000" rIns="90000" bIns="45000"/>
-          <a:lstStyle/>
-          <a:p>
-            <a:pPr algn="ctr">
-              <a:lnSpc>
-                <a:spcPct val="100000"/>
-              </a:lnSpc>
-            </a:pPr>
+          <a:bodyPr lIns="90000" tIns="45000" rIns="90000" bIns="45000" anchor="t"/>
+          <a:lstStyle/>
+          <a:p>
+            <a:pPr algn="ctr"/>
             <a:r>
               <a:rPr lang="en-IN" sz="4800" b="1" strike="noStrike" spc="-1" dirty="0">
                 <a:solidFill>
@@ -2409,28 +2627,39 @@
                 </a:solidFill>
                 <a:latin typeface="Book Antiqua"/>
               </a:rPr>
-              <a:t>Abhishek Agrawal (150102002)			Souradip Pal (150102076) </a:t>
-            </a:r>
-            <a:endParaRPr lang="en-IN" sz="4800" b="0" strike="noStrike" spc="-1" dirty="0">
-              <a:latin typeface="Arial"/>
-            </a:endParaRPr>
-          </a:p>
-          <a:p>
-            <a:pPr algn="ctr">
-              <a:lnSpc>
-                <a:spcPct val="100000"/>
-              </a:lnSpc>
-            </a:pPr>
-            <a:r>
-              <a:rPr lang="en-IN" sz="5000" b="1" strike="noStrike" spc="-1" dirty="0">
+              <a:t>Abhishek Agrawal (</a:t>
+            </a:r>
+            <a:r>
+              <a:rPr lang="en-IN" sz="4800" b="1" spc="-1" dirty="0">
                 <a:solidFill>
                   <a:srgbClr val="006600"/>
                 </a:solidFill>
                 <a:latin typeface="Book Antiqua"/>
               </a:rPr>
-              <a:t> </a:t>
-            </a:r>
-            <a:endParaRPr lang="en-IN" sz="5000" b="0" strike="noStrike" spc="-1" dirty="0">
+              <a:t>150102002)         </a:t>
+            </a:r>
+            <a:r>
+              <a:rPr lang="en-IN" sz="4800" b="1" spc="-1" dirty="0" err="1">
+                <a:solidFill>
+                  <a:srgbClr val="006600"/>
+                </a:solidFill>
+                <a:latin typeface="Book Antiqua"/>
+              </a:rPr>
+              <a:t>Souradip</a:t>
+            </a:r>
+            <a:r>
+              <a:rPr lang="en-IN" sz="4800" b="1" strike="noStrike" spc="-1" dirty="0">
+                <a:solidFill>
+                  <a:srgbClr val="006600"/>
+                </a:solidFill>
+                <a:latin typeface="Book Antiqua"/>
+              </a:rPr>
+              <a:t> Pal (150102076)</a:t>
+            </a:r>
+            <a:endParaRPr lang="en-IN" sz="4800" strike="noStrike" spc="-1" dirty="0">
+              <a:solidFill>
+                <a:srgbClr val="000000"/>
+              </a:solidFill>
               <a:latin typeface="Arial"/>
             </a:endParaRPr>
           </a:p>
@@ -2444,8 +2673,8 @@
         </p:nvSpPr>
         <p:spPr>
           <a:xfrm>
-            <a:off x="38160" y="6231960"/>
-            <a:ext cx="30279600" cy="1308600"/>
+            <a:off x="9295" y="6231960"/>
+            <a:ext cx="30308465" cy="962207"/>
           </a:xfrm>
           <a:prstGeom prst="rect">
             <a:avLst/>
@@ -2494,20 +2723,20 @@
       </p:sp>
       <p:sp>
         <p:nvSpPr>
-          <p:cNvPr id="44" name="CustomShape 4"/>
+          <p:cNvPr id="45" name="CustomShape 5"/>
           <p:cNvSpPr/>
           <p:nvPr/>
         </p:nvSpPr>
         <p:spPr>
           <a:xfrm>
-            <a:off x="1342298" y="7603740"/>
-            <a:ext cx="28208427" cy="2818936"/>
+            <a:off x="1358894" y="10596734"/>
+            <a:ext cx="12929760" cy="763920"/>
           </a:xfrm>
           <a:prstGeom prst="rect">
             <a:avLst/>
           </a:prstGeom>
           <a:noFill/>
-          <a:ln w="9360">
+          <a:ln w="25560">
             <a:noFill/>
           </a:ln>
         </p:spPr>
@@ -2524,124 +2753,39 @@
           <a:fontRef idx="minor"/>
         </p:style>
         <p:txBody>
-          <a:bodyPr lIns="90000" tIns="45000" rIns="90000" bIns="45000" anchor="t"/>
-          <a:lstStyle/>
-          <a:p>
-            <a:r>
-              <a:rPr lang="en-IN" sz="4800" b="1" strike="noStrike" spc="-1" dirty="0">
-                <a:solidFill>
-                  <a:srgbClr val="C00000"/>
-                </a:solidFill>
-                <a:latin typeface="Garamond"/>
-              </a:rPr>
-              <a:t>Abstract:</a:t>
-            </a:r>
-            <a:r>
-              <a:rPr lang="en-IN" sz="4800" b="0" strike="noStrike" spc="-1" dirty="0">
-                <a:solidFill>
-                  <a:srgbClr val="000000"/>
-                </a:solidFill>
-                <a:latin typeface="Garamond"/>
-              </a:rPr>
-              <a:t> </a:t>
-            </a:r>
-            <a:r>
-              <a:rPr lang="en-IN" sz="4400" b="0" i="1" strike="noStrike" spc="-1" dirty="0">
-                <a:solidFill>
-                  <a:srgbClr val="000000"/>
-                </a:solidFill>
-                <a:latin typeface="Dante"/>
-              </a:rPr>
-              <a:t>This project aims at designing a chaos-based cryptographic system that is immune against attacks by both quantum and classical computers. The encryption-decryption scheme proposed here is based on </a:t>
-            </a:r>
-            <a:r>
-              <a:rPr lang="en-IN" sz="4400" i="1" spc="-1" dirty="0">
-                <a:solidFill>
-                  <a:srgbClr val="000000"/>
-                </a:solidFill>
-                <a:latin typeface="Dante"/>
-              </a:rPr>
-              <a:t>chaotic</a:t>
-            </a:r>
-            <a:r>
-              <a:rPr lang="en-IN" sz="4400" b="0" i="1" strike="noStrike" spc="-1" dirty="0">
-                <a:solidFill>
-                  <a:srgbClr val="000000"/>
-                </a:solidFill>
-                <a:latin typeface="Dante"/>
-              </a:rPr>
-              <a:t> map </a:t>
-            </a:r>
-            <a:r>
-              <a:rPr lang="en-IN" sz="4400" i="1" spc="-1" dirty="0">
-                <a:solidFill>
-                  <a:srgbClr val="000000"/>
-                </a:solidFill>
-                <a:latin typeface="Dante"/>
-              </a:rPr>
-              <a:t>generated</a:t>
-            </a:r>
-            <a:r>
-              <a:rPr lang="en-IN" sz="4400" b="0" i="1" strike="noStrike" spc="-1" dirty="0">
-                <a:solidFill>
-                  <a:srgbClr val="000000"/>
-                </a:solidFill>
-                <a:latin typeface="Dante"/>
-              </a:rPr>
-              <a:t> from </a:t>
-            </a:r>
-            <a:r>
-              <a:rPr lang="en-IN" sz="4400" i="1" spc="-1" dirty="0">
-                <a:solidFill>
-                  <a:srgbClr val="000000"/>
-                </a:solidFill>
-                <a:latin typeface="Dante"/>
-              </a:rPr>
-              <a:t>model of </a:t>
-            </a:r>
-            <a:r>
-              <a:rPr lang="en-IN" sz="4400" i="1" spc="-1">
-                <a:solidFill>
-                  <a:srgbClr val="000000"/>
-                </a:solidFill>
-                <a:latin typeface="Dante"/>
-              </a:rPr>
-              <a:t>nonlinear</a:t>
-            </a:r>
-            <a:r>
-              <a:rPr lang="en-IN" sz="4400" b="0" i="1" strike="noStrike" spc="-1">
-                <a:solidFill>
-                  <a:srgbClr val="000000"/>
-                </a:solidFill>
-                <a:latin typeface="Dante"/>
-              </a:rPr>
-              <a:t> dynamic system. Further,</a:t>
-            </a:r>
-            <a:r>
-              <a:rPr lang="en-IN" sz="4400" i="1" spc="-1">
-                <a:solidFill>
-                  <a:srgbClr val="000000"/>
-                </a:solidFill>
-                <a:latin typeface="Dante"/>
-              </a:rPr>
-              <a:t> we present the hardware implementation of the proposed method on Artix FPGA platform.</a:t>
-            </a:r>
-            <a:endParaRPr lang="en-IN" sz="4400" b="0" i="1" strike="noStrike" spc="-1">
-              <a:latin typeface="Dante"/>
-            </a:endParaRPr>
-          </a:p>
-        </p:txBody>
-      </p:sp>
-      <p:sp>
-        <p:nvSpPr>
-          <p:cNvPr id="45" name="CustomShape 5"/>
+          <a:bodyPr lIns="90000" tIns="45000" rIns="90000" bIns="45000" anchor="ctr"/>
+          <a:lstStyle/>
+          <a:p>
+            <a:pPr>
+              <a:lnSpc>
+                <a:spcPct val="100000"/>
+              </a:lnSpc>
+            </a:pPr>
+            <a:r>
+              <a:rPr lang="en-IN" sz="4400" b="1" strike="noStrike" spc="-1" dirty="0">
+                <a:solidFill>
+                  <a:srgbClr val="000099"/>
+                </a:solidFill>
+                <a:latin typeface="Garamond" panose="02020404030301010803" pitchFamily="18" charset="0"/>
+              </a:rPr>
+              <a:t>1. INTRODUCTION</a:t>
+            </a:r>
+            <a:endParaRPr lang="en-IN" sz="4400" b="0" strike="noStrike" spc="-1" dirty="0">
+              <a:latin typeface="Garamond" panose="02020404030301010803" pitchFamily="18" charset="0"/>
+            </a:endParaRPr>
+          </a:p>
+        </p:txBody>
+      </p:sp>
+      <p:sp>
+        <p:nvSpPr>
+          <p:cNvPr id="46" name="CustomShape 6"/>
           <p:cNvSpPr/>
           <p:nvPr/>
         </p:nvSpPr>
         <p:spPr>
           <a:xfrm>
-            <a:off x="1243440" y="10596734"/>
-            <a:ext cx="12929760" cy="763920"/>
+            <a:off x="1348970" y="18816040"/>
+            <a:ext cx="13019400" cy="891210"/>
           </a:xfrm>
           <a:prstGeom prst="rect">
             <a:avLst/>
@@ -2667,19 +2811,23 @@
           <a:bodyPr lIns="90000" tIns="45000" rIns="90000" bIns="45000" anchor="ctr"/>
           <a:lstStyle/>
           <a:p>
-            <a:pPr>
-              <a:lnSpc>
-                <a:spcPct val="100000"/>
-              </a:lnSpc>
-            </a:pPr>
-            <a:r>
-              <a:rPr lang="en-IN" sz="4400" b="1" strike="noStrike" spc="-1" dirty="0">
+            <a:r>
+              <a:rPr lang="en-IN" sz="4400" b="1" strike="noStrike" spc="-1">
                 <a:solidFill>
                   <a:srgbClr val="000099"/>
                 </a:solidFill>
-                <a:latin typeface="Garamond" panose="02020404030301010803" pitchFamily="18" charset="0"/>
-              </a:rPr>
-              <a:t>1. INTRODUCTION</a:t>
+                <a:latin typeface="Garamond"/>
+              </a:rPr>
+              <a:t>2. </a:t>
+            </a:r>
+            <a:r>
+              <a:rPr lang="en-IN" sz="4400" b="1" spc="-1">
+                <a:solidFill>
+                  <a:srgbClr val="000099"/>
+                </a:solidFill>
+                <a:latin typeface="Garamond"/>
+              </a:rPr>
+              <a:t>PROPOSED APPROACH</a:t>
             </a:r>
             <a:endParaRPr lang="en-IN" sz="4400" b="0" strike="noStrike" spc="-1" dirty="0">
               <a:latin typeface="Garamond" panose="02020404030301010803" pitchFamily="18" charset="0"/>
@@ -2689,14 +2837,14 @@
       </p:sp>
       <p:sp>
         <p:nvSpPr>
-          <p:cNvPr id="46" name="CustomShape 6"/>
+          <p:cNvPr id="47" name="CustomShape 7"/>
           <p:cNvSpPr/>
           <p:nvPr/>
         </p:nvSpPr>
         <p:spPr>
           <a:xfrm>
-            <a:off x="1118063" y="18902632"/>
-            <a:ext cx="13019400" cy="891210"/>
+            <a:off x="15179040" y="35410763"/>
+            <a:ext cx="13037040" cy="785520"/>
           </a:xfrm>
           <a:prstGeom prst="rect">
             <a:avLst/>
@@ -2729,7 +2877,7 @@
                 </a:solidFill>
                 <a:latin typeface="Garamond"/>
               </a:rPr>
-              <a:t>2. </a:t>
+              <a:t>5. </a:t>
             </a:r>
             <a:r>
               <a:rPr lang="en-IN" sz="4400" b="1" spc="-1">
@@ -2738,24 +2886,24 @@
                 </a:solidFill>
                 <a:latin typeface="Garamond"/>
               </a:rPr>
-              <a:t>PROPOSED APPROACH</a:t>
-            </a:r>
-            <a:endParaRPr lang="en-IN" sz="4400" b="0" strike="noStrike" spc="-1" dirty="0">
-              <a:latin typeface="Garamond" panose="02020404030301010803" pitchFamily="18" charset="0"/>
-            </a:endParaRPr>
-          </a:p>
-        </p:txBody>
-      </p:sp>
-      <p:sp>
-        <p:nvSpPr>
-          <p:cNvPr id="47" name="CustomShape 7"/>
+              <a:t>RESULTS &amp; CONCLUSION</a:t>
+            </a:r>
+            <a:endParaRPr lang="en-IN" sz="4400" b="0" strike="noStrike" spc="-1">
+              <a:latin typeface="Garamond"/>
+            </a:endParaRPr>
+          </a:p>
+        </p:txBody>
+      </p:sp>
+      <p:sp>
+        <p:nvSpPr>
+          <p:cNvPr id="48" name="CustomShape 8"/>
           <p:cNvSpPr/>
           <p:nvPr/>
         </p:nvSpPr>
         <p:spPr>
           <a:xfrm>
-            <a:off x="15179040" y="35410763"/>
-            <a:ext cx="13037040" cy="785520"/>
+            <a:off x="1344541" y="27890729"/>
+            <a:ext cx="13020840" cy="713880"/>
           </a:xfrm>
           <a:prstGeom prst="rect">
             <a:avLst/>
@@ -2781,65 +2929,6 @@
           <a:bodyPr lIns="90000" tIns="45000" rIns="90000" bIns="45000" anchor="ctr"/>
           <a:lstStyle/>
           <a:p>
-            <a:r>
-              <a:rPr lang="en-IN" sz="4400" b="1" strike="noStrike" spc="-1">
-                <a:solidFill>
-                  <a:srgbClr val="000099"/>
-                </a:solidFill>
-                <a:latin typeface="Garamond"/>
-              </a:rPr>
-              <a:t>5. </a:t>
-            </a:r>
-            <a:r>
-              <a:rPr lang="en-IN" sz="4400" b="1" spc="-1">
-                <a:solidFill>
-                  <a:srgbClr val="000099"/>
-                </a:solidFill>
-                <a:latin typeface="Garamond"/>
-              </a:rPr>
-              <a:t>RESULTS &amp; CONCLUSION</a:t>
-            </a:r>
-            <a:endParaRPr lang="en-IN" sz="4400" b="0" strike="noStrike" spc="-1">
-              <a:latin typeface="Garamond"/>
-            </a:endParaRPr>
-          </a:p>
-        </p:txBody>
-      </p:sp>
-      <p:sp>
-        <p:nvSpPr>
-          <p:cNvPr id="48" name="CustomShape 8"/>
-          <p:cNvSpPr/>
-          <p:nvPr/>
-        </p:nvSpPr>
-        <p:spPr>
-          <a:xfrm>
-            <a:off x="1113634" y="27919593"/>
-            <a:ext cx="13020840" cy="713880"/>
-          </a:xfrm>
-          <a:prstGeom prst="rect">
-            <a:avLst/>
-          </a:prstGeom>
-          <a:noFill/>
-          <a:ln w="25560">
-            <a:noFill/>
-          </a:ln>
-        </p:spPr>
-        <p:style>
-          <a:lnRef idx="0">
-            <a:scrgbClr r="0" g="0" b="0"/>
-          </a:lnRef>
-          <a:fillRef idx="0">
-            <a:scrgbClr r="0" g="0" b="0"/>
-          </a:fillRef>
-          <a:effectRef idx="0">
-            <a:scrgbClr r="0" g="0" b="0"/>
-          </a:effectRef>
-          <a:fontRef idx="minor"/>
-        </p:style>
-        <p:txBody>
-          <a:bodyPr lIns="90000" tIns="45000" rIns="90000" bIns="45000" anchor="ctr"/>
-          <a:lstStyle/>
-          <a:p>
             <a:pPr>
               <a:lnSpc>
                 <a:spcPct val="100000"/>
@@ -2881,8 +2970,8 @@
         </p:blipFill>
         <p:spPr>
           <a:xfrm>
-            <a:off x="27078039" y="329400"/>
-            <a:ext cx="2625201" cy="2601360"/>
+            <a:off x="26991463" y="531448"/>
+            <a:ext cx="2423143" cy="2514762"/>
           </a:xfrm>
           <a:prstGeom prst="rect">
             <a:avLst/>
@@ -2900,7 +2989,7 @@
         </p:nvSpPr>
         <p:spPr>
           <a:xfrm>
-            <a:off x="1243440" y="11433874"/>
+            <a:off x="1358894" y="11433874"/>
             <a:ext cx="13634217" cy="7482559"/>
           </a:xfrm>
           <a:prstGeom prst="rect">
@@ -3189,7 +3278,7 @@
         </p:nvSpPr>
         <p:spPr>
           <a:xfrm>
-            <a:off x="1174480" y="19926675"/>
+            <a:off x="1491978" y="19926675"/>
             <a:ext cx="13499640" cy="7988217"/>
           </a:xfrm>
           <a:prstGeom prst="rect">
@@ -3498,7 +3587,7 @@
         </p:nvSpPr>
         <p:spPr>
           <a:xfrm>
-            <a:off x="15291154" y="11595347"/>
+            <a:off x="15522062" y="11595347"/>
             <a:ext cx="13544499" cy="1888197"/>
           </a:xfrm>
           <a:prstGeom prst="rect">
@@ -3657,8 +3746,8 @@
         </p:blipFill>
         <p:spPr>
           <a:xfrm>
-            <a:off x="1243229" y="28805048"/>
-            <a:ext cx="13544077" cy="2681933"/>
+            <a:off x="1358691" y="28805048"/>
+            <a:ext cx="13428615" cy="2681933"/>
           </a:xfrm>
           <a:prstGeom prst="rect">
             <a:avLst/>
@@ -3680,8 +3769,8 @@
         </p:blipFill>
         <p:spPr>
           <a:xfrm>
-            <a:off x="1523573" y="32256344"/>
-            <a:ext cx="6754158" cy="5469951"/>
+            <a:off x="1494719" y="32400664"/>
+            <a:ext cx="6840755" cy="5469951"/>
           </a:xfrm>
           <a:prstGeom prst="rect">
             <a:avLst/>
@@ -3722,8 +3811,8 @@
         </p:nvSpPr>
         <p:spPr>
           <a:xfrm>
-            <a:off x="15291141" y="19115224"/>
-            <a:ext cx="13544499" cy="3810130"/>
+            <a:off x="15522048" y="19028632"/>
+            <a:ext cx="13544499" cy="2742082"/>
           </a:xfrm>
           <a:prstGeom prst="rect">
             <a:avLst/>
@@ -3764,7 +3853,7 @@
               <a:buChar char="•"/>
             </a:pPr>
             <a:r>
-              <a:rPr lang="en-IN" sz="3600" spc="-1">
+              <a:rPr lang="en-IN" sz="3600" spc="-1" dirty="0">
                 <a:solidFill>
                   <a:srgbClr val="000000"/>
                 </a:solidFill>
@@ -3772,12 +3861,6 @@
               </a:rPr>
               <a:t>Necessary statistical analysis were performed for testing randomness of the chaotic map.</a:t>
             </a:r>
-            <a:endParaRPr lang="en-IN" sz="3600" spc="-1" dirty="0">
-              <a:solidFill>
-                <a:srgbClr val="000000"/>
-              </a:solidFill>
-              <a:latin typeface="Century Schoolbook"/>
-            </a:endParaRPr>
           </a:p>
           <a:p>
             <a:pPr marL="723900" indent="-723265">
@@ -3795,7 +3878,7 @@
               <a:buChar char="•"/>
             </a:pPr>
             <a:r>
-              <a:rPr lang="en-IN" sz="3600" spc="-1">
+              <a:rPr lang="en-IN" sz="3600" spc="-1" dirty="0">
                 <a:solidFill>
                   <a:srgbClr val="000000"/>
                 </a:solidFill>
@@ -3804,7 +3887,7 @@
               <a:t>Hardware implementation was carried on the target device </a:t>
             </a:r>
             <a:r>
-              <a:rPr lang="en-IN" sz="3600" spc="-1" err="1">
+              <a:rPr lang="en-IN" sz="3600" spc="-1" dirty="0" err="1">
                 <a:solidFill>
                   <a:srgbClr val="000000"/>
                 </a:solidFill>
@@ -3813,7 +3896,7 @@
               <a:t>Digilent</a:t>
             </a:r>
             <a:r>
-              <a:rPr lang="en-IN" sz="3600" spc="-1">
+              <a:rPr lang="en-IN" sz="3600" spc="-1" dirty="0">
                 <a:solidFill>
                   <a:srgbClr val="000000"/>
                 </a:solidFill>
@@ -3821,12 +3904,12 @@
               </a:rPr>
               <a:t> Nexys4 board having Xilinx Artix-7 FPGA.</a:t>
             </a:r>
-            <a:endParaRPr lang="en-US" sz="3600">
+            <a:endParaRPr lang="en-US" sz="3600" dirty="0">
               <a:latin typeface="Century Schoolbook"/>
             </a:endParaRPr>
           </a:p>
           <a:p>
-            <a:pPr marL="723900" indent="-723265">
+            <a:pPr marL="635">
               <a:spcBef>
                 <a:spcPts val="799"/>
               </a:spcBef>
@@ -3837,15 +3920,10 @@
                 <a:srgbClr val="000099"/>
               </a:buClr>
               <a:buSzPct val="80000"/>
-              <a:buFont typeface="Arial" charset="2"/>
-              <a:buChar char="•"/>
             </a:pPr>
-            <a:r>
-              <a:rPr lang="en-IN" sz="3600" spc="-1">
-                <a:latin typeface="Century Schoolbook"/>
-              </a:rPr>
-              <a:t>The keys and the mapped values were stored in LUTs in the FPGA for fast encryption and decryption.</a:t>
-            </a:r>
+            <a:endParaRPr lang="en-IN" sz="3600" spc="-1" dirty="0">
+              <a:latin typeface="Century Schoolbook"/>
+            </a:endParaRPr>
           </a:p>
           <a:p>
             <a:pPr marL="723900" indent="-723265">
@@ -3942,8 +4020,8 @@
         </p:nvSpPr>
         <p:spPr>
           <a:xfrm>
-            <a:off x="15312773" y="28001587"/>
-            <a:ext cx="13342634" cy="1224386"/>
+            <a:off x="15514817" y="26702610"/>
+            <a:ext cx="13342634" cy="2552229"/>
           </a:xfrm>
           <a:prstGeom prst="rect">
             <a:avLst/>
@@ -3984,13 +4062,36 @@
               <a:buChar char="•"/>
             </a:pPr>
             <a:r>
-              <a:rPr lang="en-IN" sz="3600" spc="-1">
+              <a:rPr lang="en-IN" sz="3600" spc="-1" dirty="0">
                 <a:latin typeface="Century Schoolbook"/>
                 <a:cs typeface="Times New Roman"/>
               </a:rPr>
+              <a:t>The keys and the mapped values were stored in LUTs in the FPGA for fast encryption and decryption.</a:t>
+            </a:r>
+          </a:p>
+          <a:p>
+            <a:pPr marL="572135" indent="-571500">
+              <a:spcBef>
+                <a:spcPts val="799"/>
+              </a:spcBef>
+              <a:spcAft>
+                <a:spcPts val="799"/>
+              </a:spcAft>
+              <a:buClr>
+                <a:srgbClr val="000099"/>
+              </a:buClr>
+              <a:buSzPct val="80000"/>
+              <a:buFont typeface="Arial"/>
+              <a:buChar char="•"/>
+            </a:pPr>
+            <a:r>
+              <a:rPr lang="en-IN" sz="3600" spc="-1" dirty="0">
+                <a:latin typeface="Century Schoolbook"/>
+                <a:cs typeface="Times New Roman"/>
+              </a:rPr>
               <a:t>Encryption &amp; decryption modules were implemented and tested against the software simulations.</a:t>
             </a:r>
-            <a:endParaRPr lang="en-US"/>
+            <a:endParaRPr lang="en-US" dirty="0"/>
           </a:p>
         </p:txBody>
       </p:sp>
@@ -4029,8 +4130,8 @@
         </p:blipFill>
         <p:spPr>
           <a:xfrm>
-            <a:off x="16074043" y="22991589"/>
-            <a:ext cx="12776206" cy="4937218"/>
+            <a:off x="16016312" y="21779302"/>
+            <a:ext cx="12833937" cy="4706289"/>
           </a:xfrm>
           <a:prstGeom prst="rect">
             <a:avLst/>
@@ -4071,7 +4172,7 @@
         </p:nvSpPr>
         <p:spPr>
           <a:xfrm>
-            <a:off x="15178063" y="36369985"/>
+            <a:off x="15322380" y="36196801"/>
             <a:ext cx="13968000" cy="5563301"/>
           </a:xfrm>
           <a:prstGeom prst="rect">
@@ -4243,7 +4344,7 @@
         </p:nvSpPr>
         <p:spPr>
           <a:xfrm>
-            <a:off x="1342942" y="39071120"/>
+            <a:off x="1487259" y="38840208"/>
             <a:ext cx="12567369" cy="2862322"/>
           </a:xfrm>
           <a:prstGeom prst="rect">
@@ -4313,6 +4414,72 @@
           </a:p>
         </p:txBody>
       </p:sp>
+      <p:pic>
+        <p:nvPicPr>
+          <p:cNvPr id="25" name="Picture 24" descr="A close up of text on a white background&#10;&#10;Description generated with high confidence">
+            <a:extLst>
+              <a:ext uri="{FF2B5EF4-FFF2-40B4-BE49-F238E27FC236}">
+                <a16:creationId xmlns:a16="http://schemas.microsoft.com/office/drawing/2014/main" id="{D6E6B9E2-0511-4163-BBC6-AA6B93CA06AD}"/>
+              </a:ext>
+            </a:extLst>
+          </p:cNvPr>
+          <p:cNvPicPr/>
+          <p:nvPr/>
+        </p:nvPicPr>
+        <p:blipFill>
+          <a:blip r:embed="rId9"/>
+          <a:stretch/>
+        </p:blipFill>
+        <p:spPr>
+          <a:xfrm>
+            <a:off x="8589130" y="32285191"/>
+            <a:ext cx="6217792" cy="5700880"/>
+          </a:xfrm>
+          <a:prstGeom prst="rect">
+            <a:avLst/>
+          </a:prstGeom>
+          <a:ln>
+            <a:noFill/>
+          </a:ln>
+        </p:spPr>
+      </p:pic>
+      <p:cxnSp>
+        <p:nvCxnSpPr>
+          <p:cNvPr id="12" name="Straight Arrow Connector 11">
+            <a:extLst>
+              <a:ext uri="{FF2B5EF4-FFF2-40B4-BE49-F238E27FC236}">
+                <a16:creationId xmlns:a16="http://schemas.microsoft.com/office/drawing/2014/main" id="{EA1203CF-4CA0-4E18-8719-7B0FD951EA93}"/>
+              </a:ext>
+            </a:extLst>
+          </p:cNvPr>
+          <p:cNvCxnSpPr/>
+          <p:nvPr/>
+        </p:nvCxnSpPr>
+        <p:spPr>
+          <a:xfrm>
+            <a:off x="14929502" y="9993684"/>
+            <a:ext cx="57682" cy="32127971"/>
+          </a:xfrm>
+          <a:prstGeom prst="straightConnector1">
+            <a:avLst/>
+          </a:prstGeom>
+          <a:ln/>
+        </p:spPr>
+        <p:style>
+          <a:lnRef idx="1">
+            <a:schemeClr val="dk1"/>
+          </a:lnRef>
+          <a:fillRef idx="0">
+            <a:schemeClr val="dk1"/>
+          </a:fillRef>
+          <a:effectRef idx="0">
+            <a:schemeClr val="dk1"/>
+          </a:effectRef>
+          <a:fontRef idx="minor">
+            <a:schemeClr val="tx1"/>
+          </a:fontRef>
+        </p:style>
+      </p:cxnSp>
     </p:spTree>
   </p:cSld>
   <p:clrMapOvr>
